--- a/slides/08-QDA-naive-bayes.pptx
+++ b/slides/08-QDA-naive-bayes.pptx
@@ -5,32 +5,33 @@
     <p:sldMasterId id="2147483852" r:id="rId1"/>
   </p:sldMasterIdLst>
   <p:notesMasterIdLst>
-    <p:notesMasterId r:id="rId25"/>
+    <p:notesMasterId r:id="rId26"/>
   </p:notesMasterIdLst>
   <p:sldIdLst>
     <p:sldId id="256" r:id="rId2"/>
     <p:sldId id="257" r:id="rId3"/>
-    <p:sldId id="491" r:id="rId4"/>
-    <p:sldId id="528" r:id="rId5"/>
-    <p:sldId id="545" r:id="rId6"/>
-    <p:sldId id="553" r:id="rId7"/>
-    <p:sldId id="550" r:id="rId8"/>
-    <p:sldId id="554" r:id="rId9"/>
-    <p:sldId id="555" r:id="rId10"/>
-    <p:sldId id="556" r:id="rId11"/>
-    <p:sldId id="557" r:id="rId12"/>
-    <p:sldId id="558" r:id="rId13"/>
-    <p:sldId id="559" r:id="rId14"/>
-    <p:sldId id="560" r:id="rId15"/>
-    <p:sldId id="561" r:id="rId16"/>
-    <p:sldId id="562" r:id="rId17"/>
-    <p:sldId id="563" r:id="rId18"/>
-    <p:sldId id="564" r:id="rId19"/>
-    <p:sldId id="565" r:id="rId20"/>
-    <p:sldId id="566" r:id="rId21"/>
-    <p:sldId id="567" r:id="rId22"/>
-    <p:sldId id="568" r:id="rId23"/>
-    <p:sldId id="569" r:id="rId24"/>
+    <p:sldId id="570" r:id="rId4"/>
+    <p:sldId id="491" r:id="rId5"/>
+    <p:sldId id="528" r:id="rId6"/>
+    <p:sldId id="545" r:id="rId7"/>
+    <p:sldId id="553" r:id="rId8"/>
+    <p:sldId id="550" r:id="rId9"/>
+    <p:sldId id="554" r:id="rId10"/>
+    <p:sldId id="555" r:id="rId11"/>
+    <p:sldId id="556" r:id="rId12"/>
+    <p:sldId id="557" r:id="rId13"/>
+    <p:sldId id="558" r:id="rId14"/>
+    <p:sldId id="559" r:id="rId15"/>
+    <p:sldId id="560" r:id="rId16"/>
+    <p:sldId id="561" r:id="rId17"/>
+    <p:sldId id="562" r:id="rId18"/>
+    <p:sldId id="563" r:id="rId19"/>
+    <p:sldId id="564" r:id="rId20"/>
+    <p:sldId id="565" r:id="rId21"/>
+    <p:sldId id="566" r:id="rId22"/>
+    <p:sldId id="567" r:id="rId23"/>
+    <p:sldId id="568" r:id="rId24"/>
+    <p:sldId id="569" r:id="rId25"/>
   </p:sldIdLst>
   <p:sldSz cx="12192000" cy="6858000"/>
   <p:notesSz cx="6858000" cy="9144000"/>
@@ -219,7 +220,7 @@
           <a:p>
             <a:fld id="{3CBB8A52-8AC5-C74C-97FB-632C448F3674}" type="datetimeFigureOut">
               <a:rPr lang="en-US" smtClean="0"/>
-              <a:t>2/9/24</a:t>
+              <a:t>2/14/24</a:t>
             </a:fld>
             <a:endParaRPr lang="en-US"/>
           </a:p>
@@ -555,7 +556,7 @@
           <a:p>
             <a:fld id="{E666506D-5C9B-294C-B2AE-15ACE8B5B9F7}" type="slidenum">
               <a:rPr lang="en-US" smtClean="0"/>
-              <a:t>3</a:t>
+              <a:t>4</a:t>
             </a:fld>
             <a:endParaRPr lang="en-US"/>
           </a:p>
@@ -674,7 +675,7 @@
           <a:p>
             <a:fld id="{E666506D-5C9B-294C-B2AE-15ACE8B5B9F7}" type="slidenum">
               <a:rPr lang="en-US" smtClean="0"/>
-              <a:t>12</a:t>
+              <a:t>13</a:t>
             </a:fld>
             <a:endParaRPr lang="en-US"/>
           </a:p>
@@ -793,7 +794,7 @@
           <a:p>
             <a:fld id="{E666506D-5C9B-294C-B2AE-15ACE8B5B9F7}" type="slidenum">
               <a:rPr lang="en-US" smtClean="0"/>
-              <a:t>13</a:t>
+              <a:t>14</a:t>
             </a:fld>
             <a:endParaRPr lang="en-US"/>
           </a:p>
@@ -912,7 +913,7 @@
           <a:p>
             <a:fld id="{E666506D-5C9B-294C-B2AE-15ACE8B5B9F7}" type="slidenum">
               <a:rPr lang="en-US" smtClean="0"/>
-              <a:t>14</a:t>
+              <a:t>15</a:t>
             </a:fld>
             <a:endParaRPr lang="en-US"/>
           </a:p>
@@ -1097,7 +1098,7 @@
           <a:p>
             <a:fld id="{E666506D-5C9B-294C-B2AE-15ACE8B5B9F7}" type="slidenum">
               <a:rPr lang="en-US" smtClean="0"/>
-              <a:t>15</a:t>
+              <a:t>16</a:t>
             </a:fld>
             <a:endParaRPr lang="en-US"/>
           </a:p>
@@ -1222,7 +1223,7 @@
           <a:p>
             <a:fld id="{E666506D-5C9B-294C-B2AE-15ACE8B5B9F7}" type="slidenum">
               <a:rPr lang="en-US" smtClean="0"/>
-              <a:t>16</a:t>
+              <a:t>17</a:t>
             </a:fld>
             <a:endParaRPr lang="en-US"/>
           </a:p>
@@ -1360,7 +1361,7 @@
           <a:p>
             <a:fld id="{E666506D-5C9B-294C-B2AE-15ACE8B5B9F7}" type="slidenum">
               <a:rPr lang="en-US" smtClean="0"/>
-              <a:t>17</a:t>
+              <a:t>18</a:t>
             </a:fld>
             <a:endParaRPr lang="en-US"/>
           </a:p>
@@ -1595,7 +1596,7 @@
           <a:p>
             <a:fld id="{E666506D-5C9B-294C-B2AE-15ACE8B5B9F7}" type="slidenum">
               <a:rPr lang="en-US" smtClean="0"/>
-              <a:t>18</a:t>
+              <a:t>19</a:t>
             </a:fld>
             <a:endParaRPr lang="en-US"/>
           </a:p>
@@ -1748,7 +1749,7 @@
           <a:p>
             <a:fld id="{E666506D-5C9B-294C-B2AE-15ACE8B5B9F7}" type="slidenum">
               <a:rPr lang="en-US" smtClean="0"/>
-              <a:t>19</a:t>
+              <a:t>20</a:t>
             </a:fld>
             <a:endParaRPr lang="en-US"/>
           </a:p>
@@ -2023,7 +2024,7 @@
           <a:p>
             <a:fld id="{E666506D-5C9B-294C-B2AE-15ACE8B5B9F7}" type="slidenum">
               <a:rPr lang="en-US" smtClean="0"/>
-              <a:t>20</a:t>
+              <a:t>21</a:t>
             </a:fld>
             <a:endParaRPr lang="en-US"/>
           </a:p>
@@ -2155,7 +2156,7 @@
           <a:p>
             <a:fld id="{E666506D-5C9B-294C-B2AE-15ACE8B5B9F7}" type="slidenum">
               <a:rPr lang="en-US" smtClean="0"/>
-              <a:t>21</a:t>
+              <a:t>22</a:t>
             </a:fld>
             <a:endParaRPr lang="en-US"/>
           </a:p>
@@ -2267,7 +2268,7 @@
           <a:p>
             <a:fld id="{E666506D-5C9B-294C-B2AE-15ACE8B5B9F7}" type="slidenum">
               <a:rPr lang="en-US" smtClean="0"/>
-              <a:t>4</a:t>
+              <a:t>5</a:t>
             </a:fld>
             <a:endParaRPr lang="en-US"/>
           </a:p>
@@ -2493,7 +2494,7 @@
           <a:p>
             <a:fld id="{E666506D-5C9B-294C-B2AE-15ACE8B5B9F7}" type="slidenum">
               <a:rPr lang="en-US" smtClean="0"/>
-              <a:t>22</a:t>
+              <a:t>23</a:t>
             </a:fld>
             <a:endParaRPr lang="en-US"/>
           </a:p>
@@ -2742,7 +2743,7 @@
           <a:p>
             <a:fld id="{E666506D-5C9B-294C-B2AE-15ACE8B5B9F7}" type="slidenum">
               <a:rPr lang="en-US" smtClean="0"/>
-              <a:t>23</a:t>
+              <a:t>24</a:t>
             </a:fld>
             <a:endParaRPr lang="en-US"/>
           </a:p>
@@ -2854,7 +2855,7 @@
           <a:p>
             <a:fld id="{E666506D-5C9B-294C-B2AE-15ACE8B5B9F7}" type="slidenum">
               <a:rPr lang="en-US" smtClean="0"/>
-              <a:t>5</a:t>
+              <a:t>6</a:t>
             </a:fld>
             <a:endParaRPr lang="en-US"/>
           </a:p>
@@ -2977,7 +2978,7 @@
           <a:p>
             <a:fld id="{E666506D-5C9B-294C-B2AE-15ACE8B5B9F7}" type="slidenum">
               <a:rPr lang="en-US" smtClean="0"/>
-              <a:t>6</a:t>
+              <a:t>7</a:t>
             </a:fld>
             <a:endParaRPr lang="en-US"/>
           </a:p>
@@ -3089,7 +3090,7 @@
           <a:p>
             <a:fld id="{E666506D-5C9B-294C-B2AE-15ACE8B5B9F7}" type="slidenum">
               <a:rPr lang="en-US" smtClean="0"/>
-              <a:t>7</a:t>
+              <a:t>8</a:t>
             </a:fld>
             <a:endParaRPr lang="en-US"/>
           </a:p>
@@ -3201,7 +3202,7 @@
           <a:p>
             <a:fld id="{E666506D-5C9B-294C-B2AE-15ACE8B5B9F7}" type="slidenum">
               <a:rPr lang="en-US" smtClean="0"/>
-              <a:t>8</a:t>
+              <a:t>9</a:t>
             </a:fld>
             <a:endParaRPr lang="en-US"/>
           </a:p>
@@ -3313,7 +3314,7 @@
           <a:p>
             <a:fld id="{E666506D-5C9B-294C-B2AE-15ACE8B5B9F7}" type="slidenum">
               <a:rPr lang="en-US" smtClean="0"/>
-              <a:t>9</a:t>
+              <a:t>10</a:t>
             </a:fld>
             <a:endParaRPr lang="en-US"/>
           </a:p>
@@ -3522,7 +3523,7 @@
           <a:p>
             <a:fld id="{E666506D-5C9B-294C-B2AE-15ACE8B5B9F7}" type="slidenum">
               <a:rPr lang="en-US" smtClean="0"/>
-              <a:t>10</a:t>
+              <a:t>11</a:t>
             </a:fld>
             <a:endParaRPr lang="en-US"/>
           </a:p>
@@ -3731,7 +3732,7 @@
           <a:p>
             <a:fld id="{E666506D-5C9B-294C-B2AE-15ACE8B5B9F7}" type="slidenum">
               <a:rPr lang="en-US" smtClean="0"/>
-              <a:t>11</a:t>
+              <a:t>12</a:t>
             </a:fld>
             <a:endParaRPr lang="en-US"/>
           </a:p>
@@ -3975,7 +3976,7 @@
             <a:fld id="{5586B75A-687E-405C-8A0B-8D00578BA2C3}" type="datetimeFigureOut">
               <a:rPr lang="en-US" smtClean="0"/>
               <a:pPr/>
-              <a:t>2/9/24</a:t>
+              <a:t>2/14/24</a:t>
             </a:fld>
             <a:endParaRPr lang="en-US" dirty="0"/>
           </a:p>
@@ -4147,7 +4148,7 @@
             <a:fld id="{5586B75A-687E-405C-8A0B-8D00578BA2C3}" type="datetimeFigureOut">
               <a:rPr lang="en-US" smtClean="0"/>
               <a:pPr/>
-              <a:t>2/9/24</a:t>
+              <a:t>2/14/24</a:t>
             </a:fld>
             <a:endParaRPr lang="en-US" dirty="0"/>
           </a:p>
@@ -4329,7 +4330,7 @@
             <a:fld id="{5586B75A-687E-405C-8A0B-8D00578BA2C3}" type="datetimeFigureOut">
               <a:rPr lang="en-US" smtClean="0"/>
               <a:pPr/>
-              <a:t>2/9/24</a:t>
+              <a:t>2/14/24</a:t>
             </a:fld>
             <a:endParaRPr lang="en-US" dirty="0"/>
           </a:p>
@@ -4501,7 +4502,7 @@
             <a:fld id="{5586B75A-687E-405C-8A0B-8D00578BA2C3}" type="datetimeFigureOut">
               <a:rPr lang="en-US" smtClean="0"/>
               <a:pPr/>
-              <a:t>2/9/24</a:t>
+              <a:t>2/14/24</a:t>
             </a:fld>
             <a:endParaRPr lang="en-US" dirty="0"/>
           </a:p>
@@ -4757,7 +4758,7 @@
             <a:fld id="{5586B75A-687E-405C-8A0B-8D00578BA2C3}" type="datetimeFigureOut">
               <a:rPr lang="en-US" smtClean="0"/>
               <a:pPr/>
-              <a:t>2/9/24</a:t>
+              <a:t>2/14/24</a:t>
             </a:fld>
             <a:endParaRPr lang="en-US" dirty="0"/>
           </a:p>
@@ -5047,7 +5048,7 @@
             <a:fld id="{5586B75A-687E-405C-8A0B-8D00578BA2C3}" type="datetimeFigureOut">
               <a:rPr lang="en-US" smtClean="0"/>
               <a:pPr/>
-              <a:t>2/9/24</a:t>
+              <a:t>2/14/24</a:t>
             </a:fld>
             <a:endParaRPr lang="en-US" dirty="0"/>
           </a:p>
@@ -5491,7 +5492,7 @@
             <a:fld id="{5586B75A-687E-405C-8A0B-8D00578BA2C3}" type="datetimeFigureOut">
               <a:rPr lang="en-US" smtClean="0"/>
               <a:pPr/>
-              <a:t>2/9/24</a:t>
+              <a:t>2/14/24</a:t>
             </a:fld>
             <a:endParaRPr lang="en-US" dirty="0"/>
           </a:p>
@@ -5611,7 +5612,7 @@
             <a:fld id="{5586B75A-687E-405C-8A0B-8D00578BA2C3}" type="datetimeFigureOut">
               <a:rPr lang="en-US" smtClean="0"/>
               <a:pPr/>
-              <a:t>2/9/24</a:t>
+              <a:t>2/14/24</a:t>
             </a:fld>
             <a:endParaRPr lang="en-US" dirty="0"/>
           </a:p>
@@ -5708,7 +5709,7 @@
             <a:fld id="{5586B75A-687E-405C-8A0B-8D00578BA2C3}" type="datetimeFigureOut">
               <a:rPr lang="en-US" smtClean="0"/>
               <a:pPr/>
-              <a:t>2/9/24</a:t>
+              <a:t>2/14/24</a:t>
             </a:fld>
             <a:endParaRPr lang="en-US" dirty="0"/>
           </a:p>
@@ -5998,7 +5999,7 @@
             <a:fld id="{5586B75A-687E-405C-8A0B-8D00578BA2C3}" type="datetimeFigureOut">
               <a:rPr lang="en-US" smtClean="0"/>
               <a:pPr/>
-              <a:t>2/9/24</a:t>
+              <a:t>2/14/24</a:t>
             </a:fld>
             <a:endParaRPr lang="en-US" dirty="0"/>
           </a:p>
@@ -6273,7 +6274,7 @@
             <a:fld id="{5586B75A-687E-405C-8A0B-8D00578BA2C3}" type="datetimeFigureOut">
               <a:rPr lang="en-US" smtClean="0"/>
               <a:pPr/>
-              <a:t>2/9/24</a:t>
+              <a:t>2/14/24</a:t>
             </a:fld>
             <a:endParaRPr lang="en-US" dirty="0"/>
           </a:p>
@@ -6572,7 +6573,7 @@
             <a:fld id="{5586B75A-687E-405C-8A0B-8D00578BA2C3}" type="datetimeFigureOut">
               <a:rPr lang="en-US" smtClean="0"/>
               <a:pPr/>
-              <a:t>2/9/24</a:t>
+              <a:t>2/14/24</a:t>
             </a:fld>
             <a:endParaRPr lang="en-US" dirty="0"/>
           </a:p>
@@ -7180,6 +7181,1295 @@
         <p:cNvPr id="1" name="">
           <a:extLst>
             <a:ext uri="{FF2B5EF4-FFF2-40B4-BE49-F238E27FC236}">
+              <a16:creationId xmlns:a16="http://schemas.microsoft.com/office/drawing/2014/main" id="{9CA6A020-7B6B-9292-9641-90F61FF86E66}"/>
+            </a:ext>
+          </a:extLst>
+        </p:cNvPr>
+        <p:cNvGrpSpPr/>
+        <p:nvPr/>
+      </p:nvGrpSpPr>
+      <p:grpSpPr>
+        <a:xfrm>
+          <a:off x="0" y="0"/>
+          <a:ext cx="0" cy="0"/>
+          <a:chOff x="0" y="0"/>
+          <a:chExt cx="0" cy="0"/>
+        </a:xfrm>
+      </p:grpSpPr>
+      <p:sp>
+        <p:nvSpPr>
+          <p:cNvPr id="2" name="Title 1">
+            <a:extLst>
+              <a:ext uri="{FF2B5EF4-FFF2-40B4-BE49-F238E27FC236}">
+                <a16:creationId xmlns:a16="http://schemas.microsoft.com/office/drawing/2014/main" id="{F37EAC3E-BDCE-2659-0A66-7F39CE3F2930}"/>
+              </a:ext>
+            </a:extLst>
+          </p:cNvPr>
+          <p:cNvSpPr>
+            <a:spLocks noGrp="1"/>
+          </p:cNvSpPr>
+          <p:nvPr>
+            <p:ph type="title"/>
+          </p:nvPr>
+        </p:nvSpPr>
+        <p:spPr/>
+        <p:txBody>
+          <a:bodyPr/>
+          <a:lstStyle/>
+          <a:p>
+            <a:r>
+              <a:rPr lang="en-US" dirty="0"/>
+              <a:t>QDA </a:t>
+            </a:r>
+          </a:p>
+        </p:txBody>
+      </p:sp>
+      <p:sp>
+        <p:nvSpPr>
+          <p:cNvPr id="14" name="Content Placeholder 2">
+            <a:extLst>
+              <a:ext uri="{FF2B5EF4-FFF2-40B4-BE49-F238E27FC236}">
+                <a16:creationId xmlns:a16="http://schemas.microsoft.com/office/drawing/2014/main" id="{2E94E75F-464F-75C4-5D3D-89CA0EF9A929}"/>
+              </a:ext>
+            </a:extLst>
+          </p:cNvPr>
+          <p:cNvSpPr txBox="1">
+            <a:spLocks/>
+          </p:cNvSpPr>
+          <p:nvPr/>
+        </p:nvSpPr>
+        <p:spPr>
+          <a:xfrm>
+            <a:off x="3557392" y="801666"/>
+            <a:ext cx="7779476" cy="5849653"/>
+          </a:xfrm>
+          <a:prstGeom prst="rect">
+            <a:avLst/>
+          </a:prstGeom>
+        </p:spPr>
+        <p:txBody>
+          <a:bodyPr vert="horz" lIns="91440" tIns="45720" rIns="91440" bIns="45720" rtlCol="0" anchor="t">
+            <a:normAutofit/>
+          </a:bodyPr>
+          <a:lstStyle>
+            <a:lvl1pPr marL="182880" indent="-182880" algn="l" defTabSz="914400" rtl="0" eaLnBrk="1" latinLnBrk="0" hangingPunct="1">
+              <a:lnSpc>
+                <a:spcPct val="90000"/>
+              </a:lnSpc>
+              <a:spcBef>
+                <a:spcPts val="1200"/>
+              </a:spcBef>
+              <a:buClr>
+                <a:schemeClr val="accent1"/>
+              </a:buClr>
+              <a:buFont typeface="Wingdings 2" pitchFamily="18" charset="2"/>
+              <a:buChar char=""/>
+              <a:defRPr sz="2000" kern="1200">
+                <a:solidFill>
+                  <a:schemeClr val="tx1">
+                    <a:lumMod val="75000"/>
+                    <a:lumOff val="25000"/>
+                  </a:schemeClr>
+                </a:solidFill>
+                <a:latin typeface="+mn-lt"/>
+                <a:ea typeface="+mn-ea"/>
+                <a:cs typeface="+mn-cs"/>
+              </a:defRPr>
+            </a:lvl1pPr>
+            <a:lvl2pPr marL="685800" indent="-182880" algn="l" defTabSz="914400" rtl="0" eaLnBrk="1" latinLnBrk="0" hangingPunct="1">
+              <a:lnSpc>
+                <a:spcPct val="90000"/>
+              </a:lnSpc>
+              <a:spcBef>
+                <a:spcPts val="250"/>
+              </a:spcBef>
+              <a:spcAft>
+                <a:spcPts val="250"/>
+              </a:spcAft>
+              <a:buClr>
+                <a:schemeClr val="accent1"/>
+              </a:buClr>
+              <a:buFont typeface="Wingdings 2" pitchFamily="18" charset="2"/>
+              <a:buChar char=""/>
+              <a:defRPr sz="1800" kern="1200">
+                <a:solidFill>
+                  <a:schemeClr val="tx1">
+                    <a:lumMod val="75000"/>
+                    <a:lumOff val="25000"/>
+                  </a:schemeClr>
+                </a:solidFill>
+                <a:latin typeface="+mn-lt"/>
+                <a:ea typeface="+mn-ea"/>
+                <a:cs typeface="+mn-cs"/>
+              </a:defRPr>
+            </a:lvl2pPr>
+            <a:lvl3pPr marL="1143000" indent="-182880" algn="l" defTabSz="914400" rtl="0" eaLnBrk="1" latinLnBrk="0" hangingPunct="1">
+              <a:lnSpc>
+                <a:spcPct val="90000"/>
+              </a:lnSpc>
+              <a:spcBef>
+                <a:spcPts val="250"/>
+              </a:spcBef>
+              <a:spcAft>
+                <a:spcPts val="250"/>
+              </a:spcAft>
+              <a:buClr>
+                <a:schemeClr val="accent1"/>
+              </a:buClr>
+              <a:buFont typeface="Wingdings 2" pitchFamily="18" charset="2"/>
+              <a:buChar char=""/>
+              <a:defRPr sz="1600" kern="1200">
+                <a:solidFill>
+                  <a:schemeClr val="tx1">
+                    <a:lumMod val="75000"/>
+                    <a:lumOff val="25000"/>
+                  </a:schemeClr>
+                </a:solidFill>
+                <a:latin typeface="+mn-lt"/>
+                <a:ea typeface="+mn-ea"/>
+                <a:cs typeface="+mn-cs"/>
+              </a:defRPr>
+            </a:lvl3pPr>
+            <a:lvl4pPr marL="1600200" indent="-182880" algn="l" defTabSz="914400" rtl="0" eaLnBrk="1" latinLnBrk="0" hangingPunct="1">
+              <a:lnSpc>
+                <a:spcPct val="90000"/>
+              </a:lnSpc>
+              <a:spcBef>
+                <a:spcPts val="250"/>
+              </a:spcBef>
+              <a:spcAft>
+                <a:spcPts val="250"/>
+              </a:spcAft>
+              <a:buClr>
+                <a:schemeClr val="accent1"/>
+              </a:buClr>
+              <a:buFont typeface="Wingdings 2" pitchFamily="18" charset="2"/>
+              <a:buChar char=""/>
+              <a:defRPr sz="1400" kern="1200">
+                <a:solidFill>
+                  <a:schemeClr val="tx1">
+                    <a:lumMod val="75000"/>
+                    <a:lumOff val="25000"/>
+                  </a:schemeClr>
+                </a:solidFill>
+                <a:latin typeface="+mn-lt"/>
+                <a:ea typeface="+mn-ea"/>
+                <a:cs typeface="+mn-cs"/>
+              </a:defRPr>
+            </a:lvl4pPr>
+            <a:lvl5pPr marL="2057400" indent="-182880" algn="l" defTabSz="914400" rtl="0" eaLnBrk="1" latinLnBrk="0" hangingPunct="1">
+              <a:lnSpc>
+                <a:spcPct val="90000"/>
+              </a:lnSpc>
+              <a:spcBef>
+                <a:spcPts val="250"/>
+              </a:spcBef>
+              <a:spcAft>
+                <a:spcPts val="250"/>
+              </a:spcAft>
+              <a:buClr>
+                <a:schemeClr val="accent1"/>
+              </a:buClr>
+              <a:buFont typeface="Wingdings 2" pitchFamily="18" charset="2"/>
+              <a:buChar char=""/>
+              <a:defRPr sz="1400" kern="1200">
+                <a:solidFill>
+                  <a:schemeClr val="tx1">
+                    <a:lumMod val="75000"/>
+                    <a:lumOff val="25000"/>
+                  </a:schemeClr>
+                </a:solidFill>
+                <a:latin typeface="+mn-lt"/>
+                <a:ea typeface="+mn-ea"/>
+                <a:cs typeface="+mn-cs"/>
+              </a:defRPr>
+            </a:lvl5pPr>
+            <a:lvl6pPr marL="2514600" indent="-228600" algn="l" defTabSz="914400" rtl="0" eaLnBrk="1" latinLnBrk="0" hangingPunct="1">
+              <a:lnSpc>
+                <a:spcPct val="90000"/>
+              </a:lnSpc>
+              <a:spcBef>
+                <a:spcPts val="250"/>
+              </a:spcBef>
+              <a:spcAft>
+                <a:spcPts val="250"/>
+              </a:spcAft>
+              <a:buClr>
+                <a:schemeClr val="accent1"/>
+              </a:buClr>
+              <a:buFont typeface="Wingdings 2" pitchFamily="18" charset="2"/>
+              <a:buChar char=""/>
+              <a:defRPr sz="1400" kern="1200">
+                <a:solidFill>
+                  <a:schemeClr val="tx1">
+                    <a:lumMod val="75000"/>
+                    <a:lumOff val="25000"/>
+                  </a:schemeClr>
+                </a:solidFill>
+                <a:latin typeface="+mn-lt"/>
+                <a:ea typeface="+mn-ea"/>
+                <a:cs typeface="+mn-cs"/>
+              </a:defRPr>
+            </a:lvl6pPr>
+            <a:lvl7pPr marL="2971800" indent="-228600" algn="l" defTabSz="914400" rtl="0" eaLnBrk="1" latinLnBrk="0" hangingPunct="1">
+              <a:lnSpc>
+                <a:spcPct val="90000"/>
+              </a:lnSpc>
+              <a:spcBef>
+                <a:spcPts val="250"/>
+              </a:spcBef>
+              <a:spcAft>
+                <a:spcPts val="250"/>
+              </a:spcAft>
+              <a:buClr>
+                <a:schemeClr val="accent1"/>
+              </a:buClr>
+              <a:buFont typeface="Wingdings 2" pitchFamily="18" charset="2"/>
+              <a:buChar char=""/>
+              <a:defRPr sz="1400" kern="1200">
+                <a:solidFill>
+                  <a:schemeClr val="tx1">
+                    <a:lumMod val="75000"/>
+                    <a:lumOff val="25000"/>
+                  </a:schemeClr>
+                </a:solidFill>
+                <a:latin typeface="+mn-lt"/>
+                <a:ea typeface="+mn-ea"/>
+                <a:cs typeface="+mn-cs"/>
+              </a:defRPr>
+            </a:lvl7pPr>
+            <a:lvl8pPr marL="3429000" indent="-228600" algn="l" defTabSz="914400" rtl="0" eaLnBrk="1" latinLnBrk="0" hangingPunct="1">
+              <a:lnSpc>
+                <a:spcPct val="90000"/>
+              </a:lnSpc>
+              <a:spcBef>
+                <a:spcPts val="250"/>
+              </a:spcBef>
+              <a:spcAft>
+                <a:spcPts val="250"/>
+              </a:spcAft>
+              <a:buClr>
+                <a:schemeClr val="accent1"/>
+              </a:buClr>
+              <a:buFont typeface="Wingdings 2" pitchFamily="18" charset="2"/>
+              <a:buChar char=""/>
+              <a:defRPr sz="1400" kern="1200">
+                <a:solidFill>
+                  <a:schemeClr val="tx1">
+                    <a:lumMod val="75000"/>
+                    <a:lumOff val="25000"/>
+                  </a:schemeClr>
+                </a:solidFill>
+                <a:latin typeface="+mn-lt"/>
+                <a:ea typeface="+mn-ea"/>
+                <a:cs typeface="+mn-cs"/>
+              </a:defRPr>
+            </a:lvl8pPr>
+            <a:lvl9pPr marL="3886200" indent="-228600" algn="l" defTabSz="914400" rtl="0" eaLnBrk="1" latinLnBrk="0" hangingPunct="1">
+              <a:lnSpc>
+                <a:spcPct val="90000"/>
+              </a:lnSpc>
+              <a:spcBef>
+                <a:spcPts val="250"/>
+              </a:spcBef>
+              <a:spcAft>
+                <a:spcPts val="250"/>
+              </a:spcAft>
+              <a:buClr>
+                <a:schemeClr val="accent1"/>
+              </a:buClr>
+              <a:buFont typeface="Wingdings 2" pitchFamily="18" charset="2"/>
+              <a:buChar char=""/>
+              <a:defRPr sz="1400" kern="1200">
+                <a:solidFill>
+                  <a:schemeClr val="tx1">
+                    <a:lumMod val="75000"/>
+                    <a:lumOff val="25000"/>
+                  </a:schemeClr>
+                </a:solidFill>
+                <a:latin typeface="+mn-lt"/>
+                <a:ea typeface="+mn-ea"/>
+                <a:cs typeface="+mn-cs"/>
+              </a:defRPr>
+            </a:lvl9pPr>
+          </a:lstStyle>
+          <a:p>
+            <a:pPr marL="502920" lvl="1" indent="0">
+              <a:buNone/>
+            </a:pPr>
+            <a:endParaRPr lang="en-US" sz="2200" dirty="0"/>
+          </a:p>
+        </p:txBody>
+      </p:sp>
+      <mc:AlternateContent xmlns:mc="http://schemas.openxmlformats.org/markup-compatibility/2006" xmlns:a14="http://schemas.microsoft.com/office/drawing/2010/main">
+        <mc:Choice Requires="a14">
+          <p:sp>
+            <p:nvSpPr>
+              <p:cNvPr id="3" name="Content Placeholder 2">
+                <a:extLst>
+                  <a:ext uri="{FF2B5EF4-FFF2-40B4-BE49-F238E27FC236}">
+                    <a16:creationId xmlns:a16="http://schemas.microsoft.com/office/drawing/2014/main" id="{E257CB29-F547-0547-1532-BFBC459E5DF2}"/>
+                  </a:ext>
+                </a:extLst>
+              </p:cNvPr>
+              <p:cNvSpPr>
+                <a:spLocks noGrp="1"/>
+              </p:cNvSpPr>
+              <p:nvPr>
+                <p:ph idx="1"/>
+              </p:nvPr>
+            </p:nvSpPr>
+            <p:spPr>
+              <a:xfrm>
+                <a:off x="3557393" y="512064"/>
+                <a:ext cx="8381688" cy="6345935"/>
+              </a:xfrm>
+            </p:spPr>
+            <p:txBody>
+              <a:bodyPr anchor="t">
+                <a:normAutofit/>
+              </a:bodyPr>
+              <a:lstStyle/>
+              <a:p>
+                <a:pPr marL="0" indent="0">
+                  <a:buNone/>
+                  <a:defRPr/>
+                </a:pPr>
+                <a:r>
+                  <a:rPr lang="en-US" sz="2400" dirty="0"/>
+                  <a:t>LDA </a:t>
+                </a:r>
+                <a:r>
+                  <a:rPr lang="en-US" sz="2400" i="1" dirty="0">
+                    <a:sym typeface="Wingdings" pitchFamily="2" charset="2"/>
+                  </a:rPr>
+                  <a:t> </a:t>
+                </a:r>
+                <a:r>
+                  <a:rPr lang="en-US" sz="2400" b="1" i="1" dirty="0">
+                    <a:effectLst>
+                      <a:glow rad="228600">
+                        <a:schemeClr val="accent3">
+                          <a:satMod val="175000"/>
+                          <a:alpha val="40000"/>
+                        </a:schemeClr>
+                      </a:glow>
+                    </a:effectLst>
+                    <a:sym typeface="Wingdings" pitchFamily="2" charset="2"/>
+                  </a:rPr>
+                  <a:t>Quadratic Discriminant Analysis</a:t>
+                </a:r>
+                <a:endParaRPr lang="en-US" sz="2400" dirty="0"/>
+              </a:p>
+              <a:p>
+                <a:pPr>
+                  <a:defRPr/>
+                </a:pPr>
+                <a:r>
+                  <a:rPr lang="en-US" sz="2400" dirty="0"/>
+                  <a:t>Relax the LDA assumption that classes have uniform variance</a:t>
+                </a:r>
+              </a:p>
+              <a:p>
+                <a:pPr>
+                  <a:defRPr/>
+                </a:pPr>
+                <a:r>
+                  <a:rPr lang="en-US" sz="2400" dirty="0"/>
+                  <a:t>That means we now have</a:t>
+                </a:r>
+              </a:p>
+              <a:p>
+                <a:pPr>
+                  <a:defRPr/>
+                </a:pPr>
+                <a:endParaRPr lang="en-US" sz="2400" dirty="0"/>
+              </a:p>
+              <a:p>
+                <a:pPr marL="0" indent="0">
+                  <a:buNone/>
+                  <a:defRPr/>
+                </a:pPr>
+                <a14:m>
+                  <m:oMathPara xmlns:m="http://schemas.openxmlformats.org/officeDocument/2006/math">
+                    <m:oMathParaPr>
+                      <m:jc m:val="centerGroup"/>
+                    </m:oMathParaPr>
+                    <m:oMath xmlns:m="http://schemas.openxmlformats.org/officeDocument/2006/math">
+                      <m:r>
+                        <m:rPr>
+                          <m:sty m:val="p"/>
+                        </m:rPr>
+                        <a:rPr lang="el-GR" sz="2400" i="1">
+                          <a:latin typeface="Cambria Math" panose="02040503050406030204" pitchFamily="18" charset="0"/>
+                          <a:ea typeface="Cambria Math" panose="02040503050406030204" pitchFamily="18" charset="0"/>
+                        </a:rPr>
+                        <m:t>Σ</m:t>
+                      </m:r>
+                      <m:r>
+                        <a:rPr lang="en-US" sz="2400" i="1">
+                          <a:latin typeface="Cambria Math" panose="02040503050406030204" pitchFamily="18" charset="0"/>
+                        </a:rPr>
+                        <m:t>→</m:t>
+                      </m:r>
+                      <m:sSub>
+                        <m:sSubPr>
+                          <m:ctrlPr>
+                            <a:rPr lang="en-US" sz="2400" i="1">
+                              <a:latin typeface="Cambria Math" panose="02040503050406030204" pitchFamily="18" charset="0"/>
+                              <a:ea typeface="Cambria Math" panose="02040503050406030204" pitchFamily="18" charset="0"/>
+                            </a:rPr>
+                          </m:ctrlPr>
+                        </m:sSubPr>
+                        <m:e>
+                          <m:r>
+                            <m:rPr>
+                              <m:sty m:val="p"/>
+                            </m:rPr>
+                            <a:rPr lang="el-GR" sz="2400" i="1">
+                              <a:latin typeface="Cambria Math" panose="02040503050406030204" pitchFamily="18" charset="0"/>
+                              <a:ea typeface="Cambria Math" panose="02040503050406030204" pitchFamily="18" charset="0"/>
+                            </a:rPr>
+                            <m:t>Σ</m:t>
+                          </m:r>
+                        </m:e>
+                        <m:sub>
+                          <m:r>
+                            <a:rPr lang="en-US" sz="2400" i="1">
+                              <a:latin typeface="Cambria Math" panose="02040503050406030204" pitchFamily="18" charset="0"/>
+                              <a:ea typeface="Cambria Math" panose="02040503050406030204" pitchFamily="18" charset="0"/>
+                            </a:rPr>
+                            <m:t>𝑘</m:t>
+                          </m:r>
+                        </m:sub>
+                      </m:sSub>
+                    </m:oMath>
+                  </m:oMathPara>
+                </a14:m>
+                <a:endParaRPr lang="en-US" sz="2400" i="1" dirty="0"/>
+              </a:p>
+              <a:p>
+                <a:pPr marL="0" indent="0">
+                  <a:buNone/>
+                  <a:defRPr/>
+                </a:pPr>
+                <a:endParaRPr lang="en-US" sz="2400" i="1" dirty="0"/>
+              </a:p>
+              <a:p>
+                <a:pPr>
+                  <a:defRPr/>
+                </a:pPr>
+                <a:r>
+                  <a:rPr lang="en-US" sz="2400" dirty="0"/>
+                  <a:t>If we plus this into Bayes we get: </a:t>
+                </a:r>
+              </a:p>
+              <a:p>
+                <a:pPr>
+                  <a:defRPr/>
+                </a:pPr>
+                <a:endParaRPr lang="en-US" sz="2400" dirty="0"/>
+              </a:p>
+              <a:p>
+                <a:pPr marL="0" indent="0">
+                  <a:buNone/>
+                  <a:defRPr/>
+                </a:pPr>
+                <a14:m>
+                  <m:oMathPara xmlns:m="http://schemas.openxmlformats.org/officeDocument/2006/math">
+                    <m:oMathParaPr>
+                      <m:jc m:val="centerGroup"/>
+                    </m:oMathParaPr>
+                    <m:oMath xmlns:m="http://schemas.openxmlformats.org/officeDocument/2006/math">
+                      <m:sSub>
+                        <m:sSubPr>
+                          <m:ctrlPr>
+                            <a:rPr lang="en-US" sz="2400" b="0" i="1" smtClean="0">
+                              <a:latin typeface="Cambria Math" panose="02040503050406030204" pitchFamily="18" charset="0"/>
+                              <a:ea typeface="Cambria Math" panose="02040503050406030204" pitchFamily="18" charset="0"/>
+                            </a:rPr>
+                          </m:ctrlPr>
+                        </m:sSubPr>
+                        <m:e>
+                          <m:r>
+                            <a:rPr lang="en-US" sz="2400" i="1" smtClean="0">
+                              <a:latin typeface="Cambria Math" panose="02040503050406030204" pitchFamily="18" charset="0"/>
+                              <a:ea typeface="Cambria Math" panose="02040503050406030204" pitchFamily="18" charset="0"/>
+                            </a:rPr>
+                            <m:t>𝛿</m:t>
+                          </m:r>
+                        </m:e>
+                        <m:sub>
+                          <m:r>
+                            <a:rPr lang="en-US" sz="2400" b="0" i="1" smtClean="0">
+                              <a:latin typeface="Cambria Math" panose="02040503050406030204" pitchFamily="18" charset="0"/>
+                              <a:ea typeface="Cambria Math" panose="02040503050406030204" pitchFamily="18" charset="0"/>
+                            </a:rPr>
+                            <m:t>𝑘</m:t>
+                          </m:r>
+                        </m:sub>
+                      </m:sSub>
+                      <m:d>
+                        <m:dPr>
+                          <m:ctrlPr>
+                            <a:rPr lang="en-US" sz="2400" b="0" i="1" smtClean="0">
+                              <a:latin typeface="Cambria Math" panose="02040503050406030204" pitchFamily="18" charset="0"/>
+                              <a:ea typeface="Cambria Math" panose="02040503050406030204" pitchFamily="18" charset="0"/>
+                            </a:rPr>
+                          </m:ctrlPr>
+                        </m:dPr>
+                        <m:e>
+                          <m:r>
+                            <a:rPr lang="en-US" sz="2400" b="0" i="1" smtClean="0">
+                              <a:latin typeface="Cambria Math" panose="02040503050406030204" pitchFamily="18" charset="0"/>
+                              <a:ea typeface="Cambria Math" panose="02040503050406030204" pitchFamily="18" charset="0"/>
+                            </a:rPr>
+                            <m:t>𝑥</m:t>
+                          </m:r>
+                        </m:e>
+                      </m:d>
+                      <m:r>
+                        <a:rPr lang="en-US" sz="2400" b="0" i="1" smtClean="0">
+                          <a:latin typeface="Cambria Math" panose="02040503050406030204" pitchFamily="18" charset="0"/>
+                          <a:ea typeface="Cambria Math" panose="02040503050406030204" pitchFamily="18" charset="0"/>
+                        </a:rPr>
+                        <m:t>=−</m:t>
+                      </m:r>
+                      <m:f>
+                        <m:fPr>
+                          <m:ctrlPr>
+                            <a:rPr lang="en-US" sz="2400" b="0" i="1" smtClean="0">
+                              <a:latin typeface="Cambria Math" panose="02040503050406030204" pitchFamily="18" charset="0"/>
+                              <a:ea typeface="Cambria Math" panose="02040503050406030204" pitchFamily="18" charset="0"/>
+                            </a:rPr>
+                          </m:ctrlPr>
+                        </m:fPr>
+                        <m:num>
+                          <m:sSup>
+                            <m:sSupPr>
+                              <m:ctrlPr>
+                                <a:rPr lang="en-US" sz="2400" b="0" i="1" smtClean="0">
+                                  <a:latin typeface="Cambria Math" panose="02040503050406030204" pitchFamily="18" charset="0"/>
+                                  <a:ea typeface="Cambria Math" panose="02040503050406030204" pitchFamily="18" charset="0"/>
+                                </a:rPr>
+                              </m:ctrlPr>
+                            </m:sSupPr>
+                            <m:e>
+                              <m:r>
+                                <a:rPr lang="en-US" sz="2400" b="0" i="1" smtClean="0">
+                                  <a:latin typeface="Cambria Math" panose="02040503050406030204" pitchFamily="18" charset="0"/>
+                                  <a:ea typeface="Cambria Math" panose="02040503050406030204" pitchFamily="18" charset="0"/>
+                                </a:rPr>
+                                <m:t>𝑥</m:t>
+                              </m:r>
+                            </m:e>
+                            <m:sup>
+                              <m:r>
+                                <a:rPr lang="en-US" sz="2400" b="0" i="1" smtClean="0">
+                                  <a:latin typeface="Cambria Math" panose="02040503050406030204" pitchFamily="18" charset="0"/>
+                                  <a:ea typeface="Cambria Math" panose="02040503050406030204" pitchFamily="18" charset="0"/>
+                                </a:rPr>
+                                <m:t>𝑇</m:t>
+                              </m:r>
+                            </m:sup>
+                          </m:sSup>
+                          <m:r>
+                            <a:rPr lang="en-US" sz="2400" b="0" i="1" smtClean="0">
+                              <a:latin typeface="Cambria Math" panose="02040503050406030204" pitchFamily="18" charset="0"/>
+                              <a:ea typeface="Cambria Math" panose="02040503050406030204" pitchFamily="18" charset="0"/>
+                            </a:rPr>
+                            <m:t>𝑥</m:t>
+                          </m:r>
+                        </m:num>
+                        <m:den>
+                          <m:r>
+                            <a:rPr lang="en-US" sz="2400" b="0" i="1" smtClean="0">
+                              <a:latin typeface="Cambria Math" panose="02040503050406030204" pitchFamily="18" charset="0"/>
+                              <a:ea typeface="Cambria Math" panose="02040503050406030204" pitchFamily="18" charset="0"/>
+                            </a:rPr>
+                            <m:t>2</m:t>
+                          </m:r>
+                          <m:sSub>
+                            <m:sSubPr>
+                              <m:ctrlPr>
+                                <a:rPr lang="en-US" sz="2400" b="0" i="1" smtClean="0">
+                                  <a:latin typeface="Cambria Math" panose="02040503050406030204" pitchFamily="18" charset="0"/>
+                                  <a:ea typeface="Cambria Math" panose="02040503050406030204" pitchFamily="18" charset="0"/>
+                                </a:rPr>
+                              </m:ctrlPr>
+                            </m:sSubPr>
+                            <m:e>
+                              <m:r>
+                                <m:rPr>
+                                  <m:sty m:val="p"/>
+                                </m:rPr>
+                                <a:rPr lang="el-GR" sz="2400" b="0" i="1" smtClean="0">
+                                  <a:latin typeface="Cambria Math" panose="02040503050406030204" pitchFamily="18" charset="0"/>
+                                  <a:ea typeface="Cambria Math" panose="02040503050406030204" pitchFamily="18" charset="0"/>
+                                </a:rPr>
+                                <m:t>Σ</m:t>
+                              </m:r>
+                            </m:e>
+                            <m:sub>
+                              <m:r>
+                                <a:rPr lang="en-US" sz="2400" b="0" i="1" smtClean="0">
+                                  <a:latin typeface="Cambria Math" panose="02040503050406030204" pitchFamily="18" charset="0"/>
+                                  <a:ea typeface="Cambria Math" panose="02040503050406030204" pitchFamily="18" charset="0"/>
+                                </a:rPr>
+                                <m:t>𝑘</m:t>
+                              </m:r>
+                            </m:sub>
+                          </m:sSub>
+                        </m:den>
+                      </m:f>
+                      <m:r>
+                        <a:rPr lang="en-US" sz="2400" b="0" i="1" smtClean="0">
+                          <a:latin typeface="Cambria Math" panose="02040503050406030204" pitchFamily="18" charset="0"/>
+                          <a:ea typeface="Cambria Math" panose="02040503050406030204" pitchFamily="18" charset="0"/>
+                        </a:rPr>
+                        <m:t>+</m:t>
+                      </m:r>
+                      <m:f>
+                        <m:fPr>
+                          <m:ctrlPr>
+                            <a:rPr lang="en-US" sz="2400" b="0" i="1" smtClean="0">
+                              <a:latin typeface="Cambria Math" panose="02040503050406030204" pitchFamily="18" charset="0"/>
+                              <a:ea typeface="Cambria Math" panose="02040503050406030204" pitchFamily="18" charset="0"/>
+                            </a:rPr>
+                          </m:ctrlPr>
+                        </m:fPr>
+                        <m:num>
+                          <m:sSup>
+                            <m:sSupPr>
+                              <m:ctrlPr>
+                                <a:rPr lang="en-US" sz="2400" b="0" i="1" smtClean="0">
+                                  <a:latin typeface="Cambria Math" panose="02040503050406030204" pitchFamily="18" charset="0"/>
+                                  <a:ea typeface="Cambria Math" panose="02040503050406030204" pitchFamily="18" charset="0"/>
+                                </a:rPr>
+                              </m:ctrlPr>
+                            </m:sSupPr>
+                            <m:e>
+                              <m:r>
+                                <a:rPr lang="en-US" sz="2400" b="0" i="1" smtClean="0">
+                                  <a:latin typeface="Cambria Math" panose="02040503050406030204" pitchFamily="18" charset="0"/>
+                                  <a:ea typeface="Cambria Math" panose="02040503050406030204" pitchFamily="18" charset="0"/>
+                                </a:rPr>
+                                <m:t>𝑥</m:t>
+                              </m:r>
+                            </m:e>
+                            <m:sup>
+                              <m:r>
+                                <a:rPr lang="en-US" sz="2400" b="0" i="1" smtClean="0">
+                                  <a:latin typeface="Cambria Math" panose="02040503050406030204" pitchFamily="18" charset="0"/>
+                                  <a:ea typeface="Cambria Math" panose="02040503050406030204" pitchFamily="18" charset="0"/>
+                                </a:rPr>
+                                <m:t>𝑇</m:t>
+                              </m:r>
+                            </m:sup>
+                          </m:sSup>
+                          <m:sSub>
+                            <m:sSubPr>
+                              <m:ctrlPr>
+                                <a:rPr lang="en-US" sz="2400" b="0" i="1" smtClean="0">
+                                  <a:latin typeface="Cambria Math" panose="02040503050406030204" pitchFamily="18" charset="0"/>
+                                  <a:ea typeface="Cambria Math" panose="02040503050406030204" pitchFamily="18" charset="0"/>
+                                </a:rPr>
+                              </m:ctrlPr>
+                            </m:sSubPr>
+                            <m:e>
+                              <m:r>
+                                <a:rPr lang="en-US" sz="2400" b="0" i="1" smtClean="0">
+                                  <a:latin typeface="Cambria Math" panose="02040503050406030204" pitchFamily="18" charset="0"/>
+                                  <a:ea typeface="Cambria Math" panose="02040503050406030204" pitchFamily="18" charset="0"/>
+                                </a:rPr>
+                                <m:t>𝜇</m:t>
+                              </m:r>
+                            </m:e>
+                            <m:sub>
+                              <m:r>
+                                <a:rPr lang="en-US" sz="2400" b="0" i="1" smtClean="0">
+                                  <a:latin typeface="Cambria Math" panose="02040503050406030204" pitchFamily="18" charset="0"/>
+                                  <a:ea typeface="Cambria Math" panose="02040503050406030204" pitchFamily="18" charset="0"/>
+                                </a:rPr>
+                                <m:t>𝑘</m:t>
+                              </m:r>
+                            </m:sub>
+                          </m:sSub>
+                        </m:num>
+                        <m:den>
+                          <m:sSub>
+                            <m:sSubPr>
+                              <m:ctrlPr>
+                                <a:rPr lang="en-US" sz="2400" b="0" i="1" smtClean="0">
+                                  <a:latin typeface="Cambria Math" panose="02040503050406030204" pitchFamily="18" charset="0"/>
+                                  <a:ea typeface="Cambria Math" panose="02040503050406030204" pitchFamily="18" charset="0"/>
+                                </a:rPr>
+                              </m:ctrlPr>
+                            </m:sSubPr>
+                            <m:e>
+                              <m:r>
+                                <m:rPr>
+                                  <m:sty m:val="p"/>
+                                </m:rPr>
+                                <a:rPr lang="el-GR" sz="2400" b="0" i="1" smtClean="0">
+                                  <a:latin typeface="Cambria Math" panose="02040503050406030204" pitchFamily="18" charset="0"/>
+                                  <a:ea typeface="Cambria Math" panose="02040503050406030204" pitchFamily="18" charset="0"/>
+                                </a:rPr>
+                                <m:t>Σ</m:t>
+                              </m:r>
+                            </m:e>
+                            <m:sub>
+                              <m:r>
+                                <a:rPr lang="en-US" sz="2400" b="0" i="1" smtClean="0">
+                                  <a:latin typeface="Cambria Math" panose="02040503050406030204" pitchFamily="18" charset="0"/>
+                                  <a:ea typeface="Cambria Math" panose="02040503050406030204" pitchFamily="18" charset="0"/>
+                                </a:rPr>
+                                <m:t>𝑘</m:t>
+                              </m:r>
+                            </m:sub>
+                          </m:sSub>
+                        </m:den>
+                      </m:f>
+                      <m:r>
+                        <a:rPr lang="en-US" sz="2400" b="0" i="1" smtClean="0">
+                          <a:latin typeface="Cambria Math" panose="02040503050406030204" pitchFamily="18" charset="0"/>
+                          <a:ea typeface="Cambria Math" panose="02040503050406030204" pitchFamily="18" charset="0"/>
+                        </a:rPr>
+                        <m:t>−</m:t>
+                      </m:r>
+                      <m:f>
+                        <m:fPr>
+                          <m:ctrlPr>
+                            <a:rPr lang="en-US" sz="2400" b="0" i="1" smtClean="0">
+                              <a:latin typeface="Cambria Math" panose="02040503050406030204" pitchFamily="18" charset="0"/>
+                              <a:ea typeface="Cambria Math" panose="02040503050406030204" pitchFamily="18" charset="0"/>
+                            </a:rPr>
+                          </m:ctrlPr>
+                        </m:fPr>
+                        <m:num>
+                          <m:sSubSup>
+                            <m:sSubSupPr>
+                              <m:ctrlPr>
+                                <a:rPr lang="en-US" sz="2400" b="0" i="1" smtClean="0">
+                                  <a:latin typeface="Cambria Math" panose="02040503050406030204" pitchFamily="18" charset="0"/>
+                                  <a:ea typeface="Cambria Math" panose="02040503050406030204" pitchFamily="18" charset="0"/>
+                                </a:rPr>
+                              </m:ctrlPr>
+                            </m:sSubSupPr>
+                            <m:e>
+                              <m:r>
+                                <a:rPr lang="en-US" sz="2400" b="0" i="1" smtClean="0">
+                                  <a:latin typeface="Cambria Math" panose="02040503050406030204" pitchFamily="18" charset="0"/>
+                                  <a:ea typeface="Cambria Math" panose="02040503050406030204" pitchFamily="18" charset="0"/>
+                                </a:rPr>
+                                <m:t>𝜇</m:t>
+                              </m:r>
+                            </m:e>
+                            <m:sub>
+                              <m:r>
+                                <a:rPr lang="en-US" sz="2400" b="0" i="1" smtClean="0">
+                                  <a:latin typeface="Cambria Math" panose="02040503050406030204" pitchFamily="18" charset="0"/>
+                                  <a:ea typeface="Cambria Math" panose="02040503050406030204" pitchFamily="18" charset="0"/>
+                                </a:rPr>
+                                <m:t>𝑘</m:t>
+                              </m:r>
+                            </m:sub>
+                            <m:sup>
+                              <m:r>
+                                <a:rPr lang="en-US" sz="2400" b="0" i="1" smtClean="0">
+                                  <a:latin typeface="Cambria Math" panose="02040503050406030204" pitchFamily="18" charset="0"/>
+                                  <a:ea typeface="Cambria Math" panose="02040503050406030204" pitchFamily="18" charset="0"/>
+                                </a:rPr>
+                                <m:t>𝑇</m:t>
+                              </m:r>
+                            </m:sup>
+                          </m:sSubSup>
+                          <m:sSub>
+                            <m:sSubPr>
+                              <m:ctrlPr>
+                                <a:rPr lang="en-US" sz="2400" b="0" i="1" smtClean="0">
+                                  <a:latin typeface="Cambria Math" panose="02040503050406030204" pitchFamily="18" charset="0"/>
+                                  <a:ea typeface="Cambria Math" panose="02040503050406030204" pitchFamily="18" charset="0"/>
+                                </a:rPr>
+                              </m:ctrlPr>
+                            </m:sSubPr>
+                            <m:e>
+                              <m:r>
+                                <a:rPr lang="en-US" sz="2400" b="0" i="1" smtClean="0">
+                                  <a:latin typeface="Cambria Math" panose="02040503050406030204" pitchFamily="18" charset="0"/>
+                                  <a:ea typeface="Cambria Math" panose="02040503050406030204" pitchFamily="18" charset="0"/>
+                                </a:rPr>
+                                <m:t>𝜇</m:t>
+                              </m:r>
+                            </m:e>
+                            <m:sub>
+                              <m:r>
+                                <a:rPr lang="en-US" sz="2400" b="0" i="1" smtClean="0">
+                                  <a:latin typeface="Cambria Math" panose="02040503050406030204" pitchFamily="18" charset="0"/>
+                                  <a:ea typeface="Cambria Math" panose="02040503050406030204" pitchFamily="18" charset="0"/>
+                                </a:rPr>
+                                <m:t>𝑘</m:t>
+                              </m:r>
+                            </m:sub>
+                          </m:sSub>
+                        </m:num>
+                        <m:den>
+                          <m:r>
+                            <a:rPr lang="en-US" sz="2400" b="0" i="1" smtClean="0">
+                              <a:latin typeface="Cambria Math" panose="02040503050406030204" pitchFamily="18" charset="0"/>
+                              <a:ea typeface="Cambria Math" panose="02040503050406030204" pitchFamily="18" charset="0"/>
+                            </a:rPr>
+                            <m:t>2</m:t>
+                          </m:r>
+                          <m:sSub>
+                            <m:sSubPr>
+                              <m:ctrlPr>
+                                <a:rPr lang="en-US" sz="2400" b="0" i="1" smtClean="0">
+                                  <a:latin typeface="Cambria Math" panose="02040503050406030204" pitchFamily="18" charset="0"/>
+                                  <a:ea typeface="Cambria Math" panose="02040503050406030204" pitchFamily="18" charset="0"/>
+                                </a:rPr>
+                              </m:ctrlPr>
+                            </m:sSubPr>
+                            <m:e>
+                              <m:r>
+                                <m:rPr>
+                                  <m:sty m:val="p"/>
+                                </m:rPr>
+                                <a:rPr lang="el-GR" sz="2400" b="0" i="1" smtClean="0">
+                                  <a:latin typeface="Cambria Math" panose="02040503050406030204" pitchFamily="18" charset="0"/>
+                                  <a:ea typeface="Cambria Math" panose="02040503050406030204" pitchFamily="18" charset="0"/>
+                                </a:rPr>
+                                <m:t>Σ</m:t>
+                              </m:r>
+                            </m:e>
+                            <m:sub>
+                              <m:r>
+                                <a:rPr lang="en-US" sz="2400" b="0" i="1" smtClean="0">
+                                  <a:latin typeface="Cambria Math" panose="02040503050406030204" pitchFamily="18" charset="0"/>
+                                  <a:ea typeface="Cambria Math" panose="02040503050406030204" pitchFamily="18" charset="0"/>
+                                </a:rPr>
+                                <m:t>𝑘</m:t>
+                              </m:r>
+                            </m:sub>
+                          </m:sSub>
+                        </m:den>
+                      </m:f>
+                      <m:r>
+                        <a:rPr lang="en-US" sz="2400" b="0" i="1" smtClean="0">
+                          <a:latin typeface="Cambria Math" panose="02040503050406030204" pitchFamily="18" charset="0"/>
+                          <a:ea typeface="Cambria Math" panose="02040503050406030204" pitchFamily="18" charset="0"/>
+                        </a:rPr>
+                        <m:t>−</m:t>
+                      </m:r>
+                      <m:f>
+                        <m:fPr>
+                          <m:ctrlPr>
+                            <a:rPr lang="en-US" sz="2400" b="0" i="1" smtClean="0">
+                              <a:latin typeface="Cambria Math" panose="02040503050406030204" pitchFamily="18" charset="0"/>
+                              <a:ea typeface="Cambria Math" panose="02040503050406030204" pitchFamily="18" charset="0"/>
+                            </a:rPr>
+                          </m:ctrlPr>
+                        </m:fPr>
+                        <m:num>
+                          <m:func>
+                            <m:funcPr>
+                              <m:ctrlPr>
+                                <a:rPr lang="en-US" sz="2400" b="0" i="1" smtClean="0">
+                                  <a:latin typeface="Cambria Math" panose="02040503050406030204" pitchFamily="18" charset="0"/>
+                                  <a:ea typeface="Cambria Math" panose="02040503050406030204" pitchFamily="18" charset="0"/>
+                                </a:rPr>
+                              </m:ctrlPr>
+                            </m:funcPr>
+                            <m:fName>
+                              <m:r>
+                                <m:rPr>
+                                  <m:sty m:val="p"/>
+                                </m:rPr>
+                                <a:rPr lang="en-US" sz="2400" b="0" i="0" smtClean="0">
+                                  <a:latin typeface="Cambria Math" panose="02040503050406030204" pitchFamily="18" charset="0"/>
+                                  <a:ea typeface="Cambria Math" panose="02040503050406030204" pitchFamily="18" charset="0"/>
+                                </a:rPr>
+                                <m:t>log</m:t>
+                              </m:r>
+                            </m:fName>
+                            <m:e>
+                              <m:d>
+                                <m:dPr>
+                                  <m:begChr m:val="|"/>
+                                  <m:endChr m:val="|"/>
+                                  <m:ctrlPr>
+                                    <a:rPr lang="en-US" sz="2400" b="0" i="1" smtClean="0">
+                                      <a:latin typeface="Cambria Math" panose="02040503050406030204" pitchFamily="18" charset="0"/>
+                                      <a:ea typeface="Cambria Math" panose="02040503050406030204" pitchFamily="18" charset="0"/>
+                                    </a:rPr>
+                                  </m:ctrlPr>
+                                </m:dPr>
+                                <m:e>
+                                  <m:sSub>
+                                    <m:sSubPr>
+                                      <m:ctrlPr>
+                                        <a:rPr lang="en-US" sz="2400" b="0" i="1" smtClean="0">
+                                          <a:latin typeface="Cambria Math" panose="02040503050406030204" pitchFamily="18" charset="0"/>
+                                          <a:ea typeface="Cambria Math" panose="02040503050406030204" pitchFamily="18" charset="0"/>
+                                        </a:rPr>
+                                      </m:ctrlPr>
+                                    </m:sSubPr>
+                                    <m:e>
+                                      <m:r>
+                                        <m:rPr>
+                                          <m:sty m:val="p"/>
+                                        </m:rPr>
+                                        <a:rPr lang="el-GR" sz="2400" b="0" i="1" smtClean="0">
+                                          <a:latin typeface="Cambria Math" panose="02040503050406030204" pitchFamily="18" charset="0"/>
+                                          <a:ea typeface="Cambria Math" panose="02040503050406030204" pitchFamily="18" charset="0"/>
+                                        </a:rPr>
+                                        <m:t>Σ</m:t>
+                                      </m:r>
+                                    </m:e>
+                                    <m:sub>
+                                      <m:r>
+                                        <a:rPr lang="en-US" sz="2400" b="0" i="1" smtClean="0">
+                                          <a:latin typeface="Cambria Math" panose="02040503050406030204" pitchFamily="18" charset="0"/>
+                                          <a:ea typeface="Cambria Math" panose="02040503050406030204" pitchFamily="18" charset="0"/>
+                                        </a:rPr>
+                                        <m:t>𝑘</m:t>
+                                      </m:r>
+                                    </m:sub>
+                                  </m:sSub>
+                                </m:e>
+                              </m:d>
+                            </m:e>
+                          </m:func>
+                        </m:num>
+                        <m:den>
+                          <m:r>
+                            <a:rPr lang="en-US" sz="2400" b="0" i="1" smtClean="0">
+                              <a:latin typeface="Cambria Math" panose="02040503050406030204" pitchFamily="18" charset="0"/>
+                              <a:ea typeface="Cambria Math" panose="02040503050406030204" pitchFamily="18" charset="0"/>
+                            </a:rPr>
+                            <m:t>2</m:t>
+                          </m:r>
+                        </m:den>
+                      </m:f>
+                      <m:r>
+                        <a:rPr lang="en-US" sz="2400" b="0" i="1" smtClean="0">
+                          <a:latin typeface="Cambria Math" panose="02040503050406030204" pitchFamily="18" charset="0"/>
+                          <a:ea typeface="Cambria Math" panose="02040503050406030204" pitchFamily="18" charset="0"/>
+                        </a:rPr>
+                        <m:t>+</m:t>
+                      </m:r>
+                      <m:r>
+                        <a:rPr lang="en-US" sz="2400" b="0" i="1" smtClean="0">
+                          <a:latin typeface="Cambria Math" panose="02040503050406030204" pitchFamily="18" charset="0"/>
+                          <a:ea typeface="Cambria Math" panose="02040503050406030204" pitchFamily="18" charset="0"/>
+                        </a:rPr>
+                        <m:t>𝑙𝑜𝑔</m:t>
+                      </m:r>
+                      <m:sSub>
+                        <m:sSubPr>
+                          <m:ctrlPr>
+                            <a:rPr lang="en-US" sz="2400" b="0" i="1" smtClean="0">
+                              <a:latin typeface="Cambria Math" panose="02040503050406030204" pitchFamily="18" charset="0"/>
+                              <a:ea typeface="Cambria Math" panose="02040503050406030204" pitchFamily="18" charset="0"/>
+                            </a:rPr>
+                          </m:ctrlPr>
+                        </m:sSubPr>
+                        <m:e>
+                          <m:r>
+                            <a:rPr lang="en-US" sz="2400" b="0" i="1" smtClean="0">
+                              <a:latin typeface="Cambria Math" panose="02040503050406030204" pitchFamily="18" charset="0"/>
+                              <a:ea typeface="Cambria Math" panose="02040503050406030204" pitchFamily="18" charset="0"/>
+                            </a:rPr>
+                            <m:t>𝜋</m:t>
+                          </m:r>
+                        </m:e>
+                        <m:sub>
+                          <m:r>
+                            <a:rPr lang="en-US" sz="2400" b="0" i="1" smtClean="0">
+                              <a:latin typeface="Cambria Math" panose="02040503050406030204" pitchFamily="18" charset="0"/>
+                              <a:ea typeface="Cambria Math" panose="02040503050406030204" pitchFamily="18" charset="0"/>
+                            </a:rPr>
+                            <m:t>𝑘</m:t>
+                          </m:r>
+                        </m:sub>
+                      </m:sSub>
+                    </m:oMath>
+                  </m:oMathPara>
+                </a14:m>
+                <a:endParaRPr lang="en-US" sz="2400" dirty="0"/>
+              </a:p>
+              <a:p>
+                <a:pPr marL="0" indent="0">
+                  <a:buNone/>
+                  <a:defRPr/>
+                </a:pPr>
+                <a:endParaRPr lang="en-US" sz="2400" i="1" dirty="0"/>
+              </a:p>
+              <a:p>
+                <a:pPr marL="0" indent="0">
+                  <a:buNone/>
+                  <a:defRPr/>
+                </a:pPr>
+                <a:endParaRPr lang="en-US" sz="2400" i="1" dirty="0"/>
+              </a:p>
+            </p:txBody>
+          </p:sp>
+        </mc:Choice>
+        <mc:Fallback xmlns="">
+          <p:sp>
+            <p:nvSpPr>
+              <p:cNvPr id="3" name="Content Placeholder 2">
+                <a:extLst>
+                  <a:ext uri="{FF2B5EF4-FFF2-40B4-BE49-F238E27FC236}">
+                    <a16:creationId xmlns:a16="http://schemas.microsoft.com/office/drawing/2014/main" id="{E257CB29-F547-0547-1532-BFBC459E5DF2}"/>
+                  </a:ext>
+                </a:extLst>
+              </p:cNvPr>
+              <p:cNvSpPr>
+                <a:spLocks noGrp="1" noRot="1" noChangeAspect="1" noMove="1" noResize="1" noEditPoints="1" noAdjustHandles="1" noChangeArrowheads="1" noChangeShapeType="1" noTextEdit="1"/>
+              </p:cNvSpPr>
+              <p:nvPr>
+                <p:ph idx="1"/>
+              </p:nvPr>
+            </p:nvSpPr>
+            <p:spPr>
+              <a:xfrm>
+                <a:off x="3557393" y="512064"/>
+                <a:ext cx="8381688" cy="6345935"/>
+              </a:xfrm>
+              <a:blipFill>
+                <a:blip r:embed="rId3"/>
+                <a:stretch>
+                  <a:fillRect l="-1210" t="-3000"/>
+                </a:stretch>
+              </a:blipFill>
+            </p:spPr>
+            <p:txBody>
+              <a:bodyPr/>
+              <a:lstStyle/>
+              <a:p>
+                <a:r>
+                  <a:rPr lang="en-US">
+                    <a:noFill/>
+                  </a:rPr>
+                  <a:t> </a:t>
+                </a:r>
+              </a:p>
+            </p:txBody>
+          </p:sp>
+        </mc:Fallback>
+      </mc:AlternateContent>
+      <p:sp>
+        <p:nvSpPr>
+          <p:cNvPr id="5" name="Rounded Rectangle 4">
+            <a:extLst>
+              <a:ext uri="{FF2B5EF4-FFF2-40B4-BE49-F238E27FC236}">
+                <a16:creationId xmlns:a16="http://schemas.microsoft.com/office/drawing/2014/main" id="{431045F1-C77E-3681-2B6B-243749453B06}"/>
+              </a:ext>
+            </a:extLst>
+          </p:cNvPr>
+          <p:cNvSpPr/>
+          <p:nvPr/>
+        </p:nvSpPr>
+        <p:spPr>
+          <a:xfrm>
+            <a:off x="5767683" y="3953040"/>
+            <a:ext cx="881311" cy="533400"/>
+          </a:xfrm>
+          <a:prstGeom prst="roundRect">
+            <a:avLst>
+              <a:gd name="adj" fmla="val 33377"/>
+            </a:avLst>
+          </a:prstGeom>
+          <a:noFill/>
+          <a:ln>
+            <a:solidFill>
+              <a:schemeClr val="accent2"/>
+            </a:solidFill>
+          </a:ln>
+          <a:effectLst>
+            <a:glow rad="228600">
+              <a:schemeClr val="accent2">
+                <a:satMod val="175000"/>
+                <a:alpha val="40000"/>
+              </a:schemeClr>
+            </a:glow>
+            <a:outerShdw blurRad="38100" dist="25400" dir="2700000" algn="br" rotWithShape="0">
+              <a:srgbClr val="000000">
+                <a:alpha val="60000"/>
+              </a:srgbClr>
+            </a:outerShdw>
+          </a:effectLst>
+        </p:spPr>
+        <p:style>
+          <a:lnRef idx="1">
+            <a:schemeClr val="accent1"/>
+          </a:lnRef>
+          <a:fillRef idx="3">
+            <a:schemeClr val="accent1"/>
+          </a:fillRef>
+          <a:effectRef idx="2">
+            <a:schemeClr val="accent1"/>
+          </a:effectRef>
+          <a:fontRef idx="minor">
+            <a:schemeClr val="lt1"/>
+          </a:fontRef>
+        </p:style>
+        <p:txBody>
+          <a:bodyPr rtlCol="0" anchor="ctr"/>
+          <a:lstStyle/>
+          <a:p>
+            <a:pPr algn="ctr"/>
+            <a:endParaRPr lang="en-US"/>
+          </a:p>
+        </p:txBody>
+      </p:sp>
+      <p:cxnSp>
+        <p:nvCxnSpPr>
+          <p:cNvPr id="6" name="Straight Arrow Connector 5">
+            <a:extLst>
+              <a:ext uri="{FF2B5EF4-FFF2-40B4-BE49-F238E27FC236}">
+                <a16:creationId xmlns:a16="http://schemas.microsoft.com/office/drawing/2014/main" id="{E02B7F7F-E4D6-51D9-EE55-6915315727F5}"/>
+              </a:ext>
+            </a:extLst>
+          </p:cNvPr>
+          <p:cNvCxnSpPr>
+            <a:cxnSpLocks/>
+          </p:cNvCxnSpPr>
+          <p:nvPr/>
+        </p:nvCxnSpPr>
+        <p:spPr>
+          <a:xfrm flipV="1">
+            <a:off x="5627910" y="4486440"/>
+            <a:ext cx="263439" cy="1114200"/>
+          </a:xfrm>
+          <a:prstGeom prst="straightConnector1">
+            <a:avLst/>
+          </a:prstGeom>
+          <a:ln w="76200" cmpd="sng">
+            <a:solidFill>
+              <a:srgbClr val="000000"/>
+            </a:solidFill>
+            <a:headEnd type="none"/>
+            <a:tailEnd type="triangle"/>
+          </a:ln>
+        </p:spPr>
+        <p:style>
+          <a:lnRef idx="2">
+            <a:schemeClr val="accent1"/>
+          </a:lnRef>
+          <a:fillRef idx="0">
+            <a:schemeClr val="accent1"/>
+          </a:fillRef>
+          <a:effectRef idx="1">
+            <a:schemeClr val="accent1"/>
+          </a:effectRef>
+          <a:fontRef idx="minor">
+            <a:schemeClr val="tx1"/>
+          </a:fontRef>
+        </p:style>
+      </p:cxnSp>
+      <p:sp>
+        <p:nvSpPr>
+          <p:cNvPr id="8" name="TextBox 7">
+            <a:extLst>
+              <a:ext uri="{FF2B5EF4-FFF2-40B4-BE49-F238E27FC236}">
+                <a16:creationId xmlns:a16="http://schemas.microsoft.com/office/drawing/2014/main" id="{1F603CF0-4791-FE25-C0E6-133C32E30971}"/>
+              </a:ext>
+            </a:extLst>
+          </p:cNvPr>
+          <p:cNvSpPr txBox="1"/>
+          <p:nvPr/>
+        </p:nvSpPr>
+        <p:spPr>
+          <a:xfrm>
+            <a:off x="4150524" y="5350549"/>
+            <a:ext cx="6052684" cy="510778"/>
+          </a:xfrm>
+          <a:prstGeom prst="roundRect">
+            <a:avLst/>
+          </a:prstGeom>
+          <a:ln/>
+        </p:spPr>
+        <p:style>
+          <a:lnRef idx="2">
+            <a:schemeClr val="accent3">
+              <a:shade val="15000"/>
+            </a:schemeClr>
+          </a:lnRef>
+          <a:fillRef idx="1">
+            <a:schemeClr val="accent3"/>
+          </a:fillRef>
+          <a:effectRef idx="0">
+            <a:schemeClr val="accent3"/>
+          </a:effectRef>
+          <a:fontRef idx="minor">
+            <a:schemeClr val="lt1"/>
+          </a:fontRef>
+        </p:style>
+        <p:txBody>
+          <a:bodyPr wrap="none" rtlCol="0">
+            <a:spAutoFit/>
+          </a:bodyPr>
+          <a:lstStyle/>
+          <a:p>
+            <a:pPr algn="ctr"/>
+            <a:r>
+              <a:rPr lang="en-US" sz="2400" dirty="0">
+                <a:cs typeface="Times"/>
+              </a:rPr>
+              <a:t>Multiplying two </a:t>
+            </a:r>
+            <a:r>
+              <a:rPr lang="en-US" sz="2400" i="1" dirty="0">
+                <a:latin typeface="Times"/>
+                <a:cs typeface="Times"/>
+              </a:rPr>
+              <a:t>x</a:t>
+            </a:r>
+            <a:r>
+              <a:rPr lang="en-US" sz="2400" dirty="0">
+                <a:cs typeface="Times"/>
+              </a:rPr>
+              <a:t> terms together </a:t>
+            </a:r>
+            <a:r>
+              <a:rPr lang="en-US" sz="2400" dirty="0">
+                <a:cs typeface="Times"/>
+                <a:sym typeface="Wingdings" pitchFamily="2" charset="2"/>
+              </a:rPr>
+              <a:t> </a:t>
+            </a:r>
+            <a:r>
+              <a:rPr lang="en-US" sz="2400" dirty="0">
+                <a:cs typeface="Times"/>
+              </a:rPr>
+              <a:t>quadratic</a:t>
+            </a:r>
+          </a:p>
+        </p:txBody>
+      </p:sp>
+    </p:spTree>
+    <p:extLst>
+      <p:ext uri="{BB962C8B-B14F-4D97-AF65-F5344CB8AC3E}">
+        <p14:creationId xmlns:p14="http://schemas.microsoft.com/office/powerpoint/2010/main" val="812084330"/>
+      </p:ext>
+    </p:extLst>
+  </p:cSld>
+  <p:clrMapOvr>
+    <a:masterClrMapping/>
+  </p:clrMapOvr>
+</p:sld>
+</file>
+
+<file path=ppt/slides/slide11.xml><?xml version="1.0" encoding="utf-8"?>
+<p:sld xmlns:a="http://schemas.openxmlformats.org/drawingml/2006/main" xmlns:r="http://schemas.openxmlformats.org/officeDocument/2006/relationships" xmlns:p="http://schemas.openxmlformats.org/presentationml/2006/main">
+  <p:cSld>
+    <p:spTree>
+      <p:nvGrpSpPr>
+        <p:cNvPr id="1" name="">
+          <a:extLst>
+            <a:ext uri="{FF2B5EF4-FFF2-40B4-BE49-F238E27FC236}">
               <a16:creationId xmlns:a16="http://schemas.microsoft.com/office/drawing/2014/main" id="{400DDE24-8F78-61B8-D95B-C077B9AD548D}"/>
             </a:ext>
           </a:extLst>
@@ -7500,8 +8790,8 @@
           </a:p>
         </p:txBody>
       </p:sp>
-      <mc:AlternateContent xmlns:mc="http://schemas.openxmlformats.org/markup-compatibility/2006">
-        <mc:Choice xmlns:a14="http://schemas.microsoft.com/office/drawing/2010/main" Requires="a14">
+      <mc:AlternateContent xmlns:mc="http://schemas.openxmlformats.org/markup-compatibility/2006" xmlns:a14="http://schemas.microsoft.com/office/drawing/2010/main">
+        <mc:Choice Requires="a14">
           <p:sp>
             <p:nvSpPr>
               <p:cNvPr id="3" name="Content Placeholder 2">
@@ -7750,7 +9040,7 @@
             </p:txBody>
           </p:sp>
         </mc:Choice>
-        <mc:Fallback>
+        <mc:Fallback xmlns="">
           <p:sp>
             <p:nvSpPr>
               <p:cNvPr id="3" name="Content Placeholder 2">
@@ -7856,7 +9146,7 @@
 </p:sld>
 </file>
 
-<file path=ppt/slides/slide11.xml><?xml version="1.0" encoding="utf-8"?>
+<file path=ppt/slides/slide12.xml><?xml version="1.0" encoding="utf-8"?>
 <p:sld xmlns:a="http://schemas.openxmlformats.org/drawingml/2006/main" xmlns:r="http://schemas.openxmlformats.org/officeDocument/2006/relationships" xmlns:p="http://schemas.openxmlformats.org/presentationml/2006/main">
   <p:cSld>
     <p:spTree>
@@ -8357,8 +9647,8 @@
           </a:prstGeom>
         </p:spPr>
       </p:pic>
-      <mc:AlternateContent xmlns:mc="http://schemas.openxmlformats.org/markup-compatibility/2006">
-        <mc:Choice xmlns:a14="http://schemas.microsoft.com/office/drawing/2010/main" Requires="a14">
+      <mc:AlternateContent xmlns:mc="http://schemas.openxmlformats.org/markup-compatibility/2006" xmlns:a14="http://schemas.microsoft.com/office/drawing/2010/main">
+        <mc:Choice Requires="a14">
           <p:sp>
             <p:nvSpPr>
               <p:cNvPr id="7" name="TextBox 6">
@@ -8387,6 +9677,7 @@
               </a:bodyPr>
               <a:lstStyle/>
               <a:p>
+                <a:pPr/>
                 <a14:m>
                   <m:oMathPara xmlns:m="http://schemas.openxmlformats.org/officeDocument/2006/math">
                     <m:oMathParaPr>
@@ -8470,7 +9761,7 @@
             </p:txBody>
           </p:sp>
         </mc:Choice>
-        <mc:Fallback>
+        <mc:Fallback xmlns="">
           <p:sp>
             <p:nvSpPr>
               <p:cNvPr id="7" name="TextBox 6">
@@ -8515,8 +9806,8 @@
           </p:sp>
         </mc:Fallback>
       </mc:AlternateContent>
-      <mc:AlternateContent xmlns:mc="http://schemas.openxmlformats.org/markup-compatibility/2006">
-        <mc:Choice xmlns:a14="http://schemas.microsoft.com/office/drawing/2010/main" Requires="a14">
+      <mc:AlternateContent xmlns:mc="http://schemas.openxmlformats.org/markup-compatibility/2006" xmlns:a14="http://schemas.microsoft.com/office/drawing/2010/main">
+        <mc:Choice Requires="a14">
           <p:sp>
             <p:nvSpPr>
               <p:cNvPr id="8" name="TextBox 7">
@@ -8545,6 +9836,7 @@
               </a:bodyPr>
               <a:lstStyle/>
               <a:p>
+                <a:pPr/>
                 <a14:m>
                   <m:oMathPara xmlns:m="http://schemas.openxmlformats.org/officeDocument/2006/math">
                     <m:oMathParaPr>
@@ -8628,7 +9920,7 @@
             </p:txBody>
           </p:sp>
         </mc:Choice>
-        <mc:Fallback>
+        <mc:Fallback xmlns="">
           <p:sp>
             <p:nvSpPr>
               <p:cNvPr id="8" name="TextBox 7">
@@ -8686,7 +9978,7 @@
 </p:sld>
 </file>
 
-<file path=ppt/slides/slide12.xml><?xml version="1.0" encoding="utf-8"?>
+<file path=ppt/slides/slide13.xml><?xml version="1.0" encoding="utf-8"?>
 <p:sld xmlns:a="http://schemas.openxmlformats.org/drawingml/2006/main" xmlns:r="http://schemas.openxmlformats.org/officeDocument/2006/relationships" xmlns:p="http://schemas.openxmlformats.org/presentationml/2006/main">
   <p:cSld>
     <p:spTree>
@@ -9130,8 +10422,8 @@
           </a:p>
         </p:txBody>
       </p:sp>
-      <mc:AlternateContent xmlns:mc="http://schemas.openxmlformats.org/markup-compatibility/2006">
-        <mc:Choice xmlns:a14="http://schemas.microsoft.com/office/drawing/2010/main" Requires="a14">
+      <mc:AlternateContent xmlns:mc="http://schemas.openxmlformats.org/markup-compatibility/2006" xmlns:a14="http://schemas.microsoft.com/office/drawing/2010/main">
+        <mc:Choice Requires="a14">
           <p:sp>
             <p:nvSpPr>
               <p:cNvPr id="4" name="Content Placeholder 2">
@@ -10122,7 +11414,7 @@
             </p:txBody>
           </p:sp>
         </mc:Choice>
-        <mc:Fallback>
+        <mc:Fallback xmlns="">
           <p:sp>
             <p:nvSpPr>
               <p:cNvPr id="4" name="Content Placeholder 2">
@@ -10286,7 +11578,7 @@
 </p:sld>
 </file>
 
-<file path=ppt/slides/slide13.xml><?xml version="1.0" encoding="utf-8"?>
+<file path=ppt/slides/slide14.xml><?xml version="1.0" encoding="utf-8"?>
 <p:sld xmlns:a="http://schemas.openxmlformats.org/drawingml/2006/main" xmlns:r="http://schemas.openxmlformats.org/officeDocument/2006/relationships" xmlns:p="http://schemas.openxmlformats.org/presentationml/2006/main">
   <p:cSld>
     <p:spTree>
@@ -10730,8 +12022,8 @@
           </a:p>
         </p:txBody>
       </p:sp>
-      <mc:AlternateContent xmlns:mc="http://schemas.openxmlformats.org/markup-compatibility/2006">
-        <mc:Choice xmlns:a14="http://schemas.microsoft.com/office/drawing/2010/main" Requires="a14">
+      <mc:AlternateContent xmlns:mc="http://schemas.openxmlformats.org/markup-compatibility/2006" xmlns:a14="http://schemas.microsoft.com/office/drawing/2010/main">
+        <mc:Choice Requires="a14">
           <p:sp>
             <p:nvSpPr>
               <p:cNvPr id="4" name="Content Placeholder 2">
@@ -11595,7 +12887,7 @@
             </p:txBody>
           </p:sp>
         </mc:Choice>
-        <mc:Fallback>
+        <mc:Fallback xmlns="">
           <p:sp>
             <p:nvSpPr>
               <p:cNvPr id="4" name="Content Placeholder 2">
@@ -11706,7 +12998,7 @@
 </p:sld>
 </file>
 
-<file path=ppt/slides/slide14.xml><?xml version="1.0" encoding="utf-8"?>
+<file path=ppt/slides/slide15.xml><?xml version="1.0" encoding="utf-8"?>
 <p:sld xmlns:a="http://schemas.openxmlformats.org/drawingml/2006/main" xmlns:r="http://schemas.openxmlformats.org/officeDocument/2006/relationships" xmlns:p="http://schemas.openxmlformats.org/presentationml/2006/main">
   <p:cSld>
     <p:spTree>
@@ -12034,8 +13326,8 @@
           </a:p>
         </p:txBody>
       </p:sp>
-      <mc:AlternateContent xmlns:mc="http://schemas.openxmlformats.org/markup-compatibility/2006">
-        <mc:Choice xmlns:a14="http://schemas.microsoft.com/office/drawing/2010/main" Requires="a14">
+      <mc:AlternateContent xmlns:mc="http://schemas.openxmlformats.org/markup-compatibility/2006" xmlns:a14="http://schemas.microsoft.com/office/drawing/2010/main">
+        <mc:Choice Requires="a14">
           <p:sp>
             <p:nvSpPr>
               <p:cNvPr id="3" name="Content Placeholder 2">
@@ -12512,7 +13804,7 @@
             </p:txBody>
           </p:sp>
         </mc:Choice>
-        <mc:Fallback>
+        <mc:Fallback xmlns="">
           <p:sp>
             <p:nvSpPr>
               <p:cNvPr id="3" name="Content Placeholder 2">
@@ -12569,7 +13861,7 @@
 </p:sld>
 </file>
 
-<file path=ppt/slides/slide15.xml><?xml version="1.0" encoding="utf-8"?>
+<file path=ppt/slides/slide16.xml><?xml version="1.0" encoding="utf-8"?>
 <p:sld xmlns:a="http://schemas.openxmlformats.org/drawingml/2006/main" xmlns:r="http://schemas.openxmlformats.org/officeDocument/2006/relationships" xmlns:p="http://schemas.openxmlformats.org/presentationml/2006/main">
   <p:cSld>
     <p:spTree>
@@ -12897,8 +14189,8 @@
           </a:p>
         </p:txBody>
       </p:sp>
-      <mc:AlternateContent xmlns:mc="http://schemas.openxmlformats.org/markup-compatibility/2006">
-        <mc:Choice xmlns:a14="http://schemas.microsoft.com/office/drawing/2010/main" Requires="a14">
+      <mc:AlternateContent xmlns:mc="http://schemas.openxmlformats.org/markup-compatibility/2006" xmlns:a14="http://schemas.microsoft.com/office/drawing/2010/main">
+        <mc:Choice Requires="a14">
           <p:sp>
             <p:nvSpPr>
               <p:cNvPr id="3" name="Content Placeholder 2">
@@ -13370,7 +14662,7 @@
             </p:txBody>
           </p:sp>
         </mc:Choice>
-        <mc:Fallback>
+        <mc:Fallback xmlns="">
           <p:sp>
             <p:nvSpPr>
               <p:cNvPr id="3" name="Content Placeholder 2">
@@ -13476,7 +14768,7 @@
 </p:sld>
 </file>
 
-<file path=ppt/slides/slide16.xml><?xml version="1.0" encoding="utf-8"?>
+<file path=ppt/slides/slide17.xml><?xml version="1.0" encoding="utf-8"?>
 <p:sld xmlns:a="http://schemas.openxmlformats.org/drawingml/2006/main" xmlns:r="http://schemas.openxmlformats.org/officeDocument/2006/relationships" xmlns:p="http://schemas.openxmlformats.org/presentationml/2006/main">
   <p:cSld>
     <p:spTree>
@@ -13804,8 +15096,8 @@
           </a:p>
         </p:txBody>
       </p:sp>
-      <mc:AlternateContent xmlns:mc="http://schemas.openxmlformats.org/markup-compatibility/2006">
-        <mc:Choice xmlns:a14="http://schemas.microsoft.com/office/drawing/2010/main" Requires="a14">
+      <mc:AlternateContent xmlns:mc="http://schemas.openxmlformats.org/markup-compatibility/2006" xmlns:a14="http://schemas.microsoft.com/office/drawing/2010/main">
+        <mc:Choice Requires="a14">
           <p:sp>
             <p:nvSpPr>
               <p:cNvPr id="3" name="Content Placeholder 2">
@@ -14860,7 +16152,7 @@
             </p:txBody>
           </p:sp>
         </mc:Choice>
-        <mc:Fallback>
+        <mc:Fallback xmlns="">
           <p:sp>
             <p:nvSpPr>
               <p:cNvPr id="3" name="Content Placeholder 2">
@@ -14917,7 +16209,7 @@
 </p:sld>
 </file>
 
-<file path=ppt/slides/slide17.xml><?xml version="1.0" encoding="utf-8"?>
+<file path=ppt/slides/slide18.xml><?xml version="1.0" encoding="utf-8"?>
 <p:sld xmlns:a="http://schemas.openxmlformats.org/drawingml/2006/main" xmlns:r="http://schemas.openxmlformats.org/officeDocument/2006/relationships" xmlns:p="http://schemas.openxmlformats.org/presentationml/2006/main">
   <p:cSld>
     <p:spTree>
@@ -15245,8 +16537,8 @@
           </a:p>
         </p:txBody>
       </p:sp>
-      <mc:AlternateContent xmlns:mc="http://schemas.openxmlformats.org/markup-compatibility/2006">
-        <mc:Choice xmlns:a14="http://schemas.microsoft.com/office/drawing/2010/main" Requires="a14">
+      <mc:AlternateContent xmlns:mc="http://schemas.openxmlformats.org/markup-compatibility/2006" xmlns:a14="http://schemas.microsoft.com/office/drawing/2010/main">
+        <mc:Choice Requires="a14">
           <p:sp>
             <p:nvSpPr>
               <p:cNvPr id="3" name="Content Placeholder 2">
@@ -15479,7 +16771,7 @@
             </p:txBody>
           </p:sp>
         </mc:Choice>
-        <mc:Fallback>
+        <mc:Fallback xmlns="">
           <p:sp>
             <p:nvSpPr>
               <p:cNvPr id="3" name="Content Placeholder 2">
@@ -15553,8 +16845,8 @@
           </a:prstGeom>
         </p:spPr>
       </p:pic>
-      <mc:AlternateContent xmlns:mc="http://schemas.openxmlformats.org/markup-compatibility/2006">
-        <mc:Choice xmlns:a14="http://schemas.microsoft.com/office/drawing/2010/main" Requires="a14">
+      <mc:AlternateContent xmlns:mc="http://schemas.openxmlformats.org/markup-compatibility/2006" xmlns:a14="http://schemas.microsoft.com/office/drawing/2010/main">
+        <mc:Choice Requires="a14">
           <p:sp>
             <p:nvSpPr>
               <p:cNvPr id="9" name="TextBox 8">
@@ -16270,7 +17562,7 @@
             </p:txBody>
           </p:sp>
         </mc:Choice>
-        <mc:Fallback>
+        <mc:Fallback xmlns="">
           <p:sp>
             <p:nvSpPr>
               <p:cNvPr id="9" name="TextBox 8">
@@ -16315,8 +17607,8 @@
           </p:sp>
         </mc:Fallback>
       </mc:AlternateContent>
-      <mc:AlternateContent xmlns:mc="http://schemas.openxmlformats.org/markup-compatibility/2006">
-        <mc:Choice xmlns:a14="http://schemas.microsoft.com/office/drawing/2010/main" Requires="a14">
+      <mc:AlternateContent xmlns:mc="http://schemas.openxmlformats.org/markup-compatibility/2006" xmlns:a14="http://schemas.microsoft.com/office/drawing/2010/main">
+        <mc:Choice Requires="a14">
           <p:sp>
             <p:nvSpPr>
               <p:cNvPr id="10" name="Rounded Rectangle 9">
@@ -16413,7 +17705,13 @@
                                 <a:rPr lang="en-US" sz="2400" b="0" i="1" smtClean="0">
                                   <a:latin typeface="Cambria Math" panose="02040503050406030204" pitchFamily="18" charset="0"/>
                                 </a:rPr>
-                                <m:t>0.4</m:t>
+                                <m:t>0</m:t>
+                              </m:r>
+                              <m:r>
+                                <a:rPr lang="en-US" sz="2400" b="0" i="1" smtClean="0">
+                                  <a:latin typeface="Cambria Math" panose="02040503050406030204" pitchFamily="18" charset="0"/>
+                                </a:rPr>
+                                <m:t>.4</m:t>
                               </m:r>
                             </m:e>
                           </m:mr>
@@ -16895,7 +18193,7 @@
             </p:txBody>
           </p:sp>
         </mc:Choice>
-        <mc:Fallback>
+        <mc:Fallback xmlns="">
           <p:sp>
             <p:nvSpPr>
               <p:cNvPr id="10" name="Rounded Rectangle 9">
@@ -16953,7 +18251,7 @@
 </p:sld>
 </file>
 
-<file path=ppt/slides/slide18.xml><?xml version="1.0" encoding="utf-8"?>
+<file path=ppt/slides/slide19.xml><?xml version="1.0" encoding="utf-8"?>
 <p:sld xmlns:a="http://schemas.openxmlformats.org/drawingml/2006/main" xmlns:r="http://schemas.openxmlformats.org/officeDocument/2006/relationships" xmlns:p="http://schemas.openxmlformats.org/presentationml/2006/main">
   <p:cSld>
     <p:spTree>
@@ -17465,7 +18763,105 @@
 </p:sld>
 </file>
 
-<file path=ppt/slides/slide19.xml><?xml version="1.0" encoding="utf-8"?>
+<file path=ppt/slides/slide2.xml><?xml version="1.0" encoding="utf-8"?>
+<p:sld xmlns:a="http://schemas.openxmlformats.org/drawingml/2006/main" xmlns:r="http://schemas.openxmlformats.org/officeDocument/2006/relationships" xmlns:p="http://schemas.openxmlformats.org/presentationml/2006/main">
+  <p:cSld>
+    <p:spTree>
+      <p:nvGrpSpPr>
+        <p:cNvPr id="1" name=""/>
+        <p:cNvGrpSpPr/>
+        <p:nvPr/>
+      </p:nvGrpSpPr>
+      <p:grpSpPr>
+        <a:xfrm>
+          <a:off x="0" y="0"/>
+          <a:ext cx="0" cy="0"/>
+          <a:chOff x="0" y="0"/>
+          <a:chExt cx="0" cy="0"/>
+        </a:xfrm>
+      </p:grpSpPr>
+      <p:sp>
+        <p:nvSpPr>
+          <p:cNvPr id="2" name="Title 1">
+            <a:extLst>
+              <a:ext uri="{FF2B5EF4-FFF2-40B4-BE49-F238E27FC236}">
+                <a16:creationId xmlns:a16="http://schemas.microsoft.com/office/drawing/2014/main" id="{10D330C2-52A4-1ABA-980B-56FBC97F350C}"/>
+              </a:ext>
+            </a:extLst>
+          </p:cNvPr>
+          <p:cNvSpPr>
+            <a:spLocks noGrp="1"/>
+          </p:cNvSpPr>
+          <p:nvPr>
+            <p:ph type="title"/>
+          </p:nvPr>
+        </p:nvSpPr>
+        <p:spPr/>
+        <p:txBody>
+          <a:bodyPr/>
+          <a:lstStyle/>
+          <a:p>
+            <a:r>
+              <a:rPr lang="en-US" dirty="0"/>
+              <a:t>Reminder</a:t>
+            </a:r>
+          </a:p>
+        </p:txBody>
+      </p:sp>
+      <p:sp>
+        <p:nvSpPr>
+          <p:cNvPr id="3" name="Content Placeholder 2">
+            <a:extLst>
+              <a:ext uri="{FF2B5EF4-FFF2-40B4-BE49-F238E27FC236}">
+                <a16:creationId xmlns:a16="http://schemas.microsoft.com/office/drawing/2014/main" id="{9EAE50F6-429C-715A-C25C-1C7744AED1CF}"/>
+              </a:ext>
+            </a:extLst>
+          </p:cNvPr>
+          <p:cNvSpPr>
+            <a:spLocks noGrp="1"/>
+          </p:cNvSpPr>
+          <p:nvPr>
+            <p:ph idx="1"/>
+          </p:nvPr>
+        </p:nvSpPr>
+        <p:spPr/>
+        <p:txBody>
+          <a:bodyPr>
+            <a:normAutofit/>
+          </a:bodyPr>
+          <a:lstStyle/>
+          <a:p>
+            <a:pPr>
+              <a:defRPr/>
+            </a:pPr>
+            <a:endParaRPr lang="en-US" sz="2200" dirty="0"/>
+          </a:p>
+          <a:p>
+            <a:pPr>
+              <a:defRPr/>
+            </a:pPr>
+            <a:r>
+              <a:rPr lang="en-US" sz="2200" dirty="0"/>
+              <a:t>Next Tuesday (02/20) is a Monday Schedule</a:t>
+            </a:r>
+            <a:endParaRPr lang="en-US" dirty="0"/>
+          </a:p>
+        </p:txBody>
+      </p:sp>
+    </p:spTree>
+    <p:extLst>
+      <p:ext uri="{BB962C8B-B14F-4D97-AF65-F5344CB8AC3E}">
+        <p14:creationId xmlns:p14="http://schemas.microsoft.com/office/powerpoint/2010/main" val="1085546165"/>
+      </p:ext>
+    </p:extLst>
+  </p:cSld>
+  <p:clrMapOvr>
+    <a:masterClrMapping/>
+  </p:clrMapOvr>
+</p:sld>
+</file>
+
+<file path=ppt/slides/slide20.xml><?xml version="1.0" encoding="utf-8"?>
 <p:sld xmlns:a="http://schemas.openxmlformats.org/drawingml/2006/main" xmlns:r="http://schemas.openxmlformats.org/officeDocument/2006/relationships" xmlns:p="http://schemas.openxmlformats.org/presentationml/2006/main">
   <p:cSld>
     <p:spTree>
@@ -17978,114 +19374,7 @@
 </p:sld>
 </file>
 
-<file path=ppt/slides/slide2.xml><?xml version="1.0" encoding="utf-8"?>
-<p:sld xmlns:a="http://schemas.openxmlformats.org/drawingml/2006/main" xmlns:r="http://schemas.openxmlformats.org/officeDocument/2006/relationships" xmlns:p="http://schemas.openxmlformats.org/presentationml/2006/main">
-  <p:cSld>
-    <p:spTree>
-      <p:nvGrpSpPr>
-        <p:cNvPr id="1" name=""/>
-        <p:cNvGrpSpPr/>
-        <p:nvPr/>
-      </p:nvGrpSpPr>
-      <p:grpSpPr>
-        <a:xfrm>
-          <a:off x="0" y="0"/>
-          <a:ext cx="0" cy="0"/>
-          <a:chOff x="0" y="0"/>
-          <a:chExt cx="0" cy="0"/>
-        </a:xfrm>
-      </p:grpSpPr>
-      <p:sp>
-        <p:nvSpPr>
-          <p:cNvPr id="2" name="Title 1">
-            <a:extLst>
-              <a:ext uri="{FF2B5EF4-FFF2-40B4-BE49-F238E27FC236}">
-                <a16:creationId xmlns:a16="http://schemas.microsoft.com/office/drawing/2014/main" id="{10D330C2-52A4-1ABA-980B-56FBC97F350C}"/>
-              </a:ext>
-            </a:extLst>
-          </p:cNvPr>
-          <p:cNvSpPr>
-            <a:spLocks noGrp="1"/>
-          </p:cNvSpPr>
-          <p:nvPr>
-            <p:ph type="title"/>
-          </p:nvPr>
-        </p:nvSpPr>
-        <p:spPr/>
-        <p:txBody>
-          <a:bodyPr/>
-          <a:lstStyle/>
-          <a:p>
-            <a:r>
-              <a:rPr lang="en-US" dirty="0"/>
-              <a:t>Plan for Today</a:t>
-            </a:r>
-          </a:p>
-        </p:txBody>
-      </p:sp>
-      <p:sp>
-        <p:nvSpPr>
-          <p:cNvPr id="3" name="Content Placeholder 2">
-            <a:extLst>
-              <a:ext uri="{FF2B5EF4-FFF2-40B4-BE49-F238E27FC236}">
-                <a16:creationId xmlns:a16="http://schemas.microsoft.com/office/drawing/2014/main" id="{9EAE50F6-429C-715A-C25C-1C7744AED1CF}"/>
-              </a:ext>
-            </a:extLst>
-          </p:cNvPr>
-          <p:cNvSpPr>
-            <a:spLocks noGrp="1"/>
-          </p:cNvSpPr>
-          <p:nvPr>
-            <p:ph idx="1"/>
-          </p:nvPr>
-        </p:nvSpPr>
-        <p:spPr/>
-        <p:txBody>
-          <a:bodyPr>
-            <a:normAutofit/>
-          </a:bodyPr>
-          <a:lstStyle/>
-          <a:p>
-            <a:pPr>
-              <a:defRPr/>
-            </a:pPr>
-            <a:endParaRPr lang="en-US" sz="2200" dirty="0"/>
-          </a:p>
-          <a:p>
-            <a:pPr>
-              <a:defRPr/>
-            </a:pPr>
-            <a:r>
-              <a:rPr lang="en-US" sz="2200" dirty="0"/>
-              <a:t>Quadratic Discriminant Analysis</a:t>
-            </a:r>
-          </a:p>
-          <a:p>
-            <a:pPr>
-              <a:defRPr/>
-            </a:pPr>
-            <a:r>
-              <a:rPr lang="en-US" sz="2200" dirty="0"/>
-              <a:t>Naive Bayes </a:t>
-            </a:r>
-            <a:endParaRPr lang="en-US" dirty="0"/>
-          </a:p>
-        </p:txBody>
-      </p:sp>
-    </p:spTree>
-    <p:extLst>
-      <p:ext uri="{BB962C8B-B14F-4D97-AF65-F5344CB8AC3E}">
-        <p14:creationId xmlns:p14="http://schemas.microsoft.com/office/powerpoint/2010/main" val="1085546165"/>
-      </p:ext>
-    </p:extLst>
-  </p:cSld>
-  <p:clrMapOvr>
-    <a:masterClrMapping/>
-  </p:clrMapOvr>
-</p:sld>
-</file>
-
-<file path=ppt/slides/slide20.xml><?xml version="1.0" encoding="utf-8"?>
+<file path=ppt/slides/slide21.xml><?xml version="1.0" encoding="utf-8"?>
 <p:sld xmlns:a="http://schemas.openxmlformats.org/drawingml/2006/main" xmlns:r="http://schemas.openxmlformats.org/officeDocument/2006/relationships" xmlns:p="http://schemas.openxmlformats.org/presentationml/2006/main">
   <p:cSld>
     <p:spTree>
@@ -18413,8 +19702,8 @@
           </a:p>
         </p:txBody>
       </p:sp>
-      <mc:AlternateContent xmlns:mc="http://schemas.openxmlformats.org/markup-compatibility/2006">
-        <mc:Choice xmlns:a14="http://schemas.microsoft.com/office/drawing/2010/main" Requires="a14">
+      <mc:AlternateContent xmlns:mc="http://schemas.openxmlformats.org/markup-compatibility/2006" xmlns:a14="http://schemas.microsoft.com/office/drawing/2010/main">
+        <mc:Choice Requires="a14">
           <p:sp>
             <p:nvSpPr>
               <p:cNvPr id="3" name="Content Placeholder 2">
@@ -18580,7 +19869,7 @@
             </p:txBody>
           </p:sp>
         </mc:Choice>
-        <mc:Fallback>
+        <mc:Fallback xmlns="">
           <p:sp>
             <p:nvSpPr>
               <p:cNvPr id="3" name="Content Placeholder 2">
@@ -18716,7 +20005,7 @@
 </p:sld>
 </file>
 
-<file path=ppt/slides/slide21.xml><?xml version="1.0" encoding="utf-8"?>
+<file path=ppt/slides/slide22.xml><?xml version="1.0" encoding="utf-8"?>
 <p:sld xmlns:a="http://schemas.openxmlformats.org/drawingml/2006/main" xmlns:r="http://schemas.openxmlformats.org/officeDocument/2006/relationships" xmlns:p="http://schemas.openxmlformats.org/presentationml/2006/main">
   <p:cSld>
     <p:spTree>
@@ -19044,8 +20333,8 @@
           </a:p>
         </p:txBody>
       </p:sp>
-      <mc:AlternateContent xmlns:mc="http://schemas.openxmlformats.org/markup-compatibility/2006">
-        <mc:Choice xmlns:a14="http://schemas.microsoft.com/office/drawing/2010/main" Requires="a14">
+      <mc:AlternateContent xmlns:mc="http://schemas.openxmlformats.org/markup-compatibility/2006" xmlns:a14="http://schemas.microsoft.com/office/drawing/2010/main">
+        <mc:Choice Requires="a14">
           <p:sp>
             <p:nvSpPr>
               <p:cNvPr id="3" name="Content Placeholder 2">
@@ -19211,7 +20500,7 @@
             </p:txBody>
           </p:sp>
         </mc:Choice>
-        <mc:Fallback>
+        <mc:Fallback xmlns="">
           <p:sp>
             <p:nvSpPr>
               <p:cNvPr id="3" name="Content Placeholder 2">
@@ -19347,7 +20636,7 @@
 </p:sld>
 </file>
 
-<file path=ppt/slides/slide22.xml><?xml version="1.0" encoding="utf-8"?>
+<file path=ppt/slides/slide23.xml><?xml version="1.0" encoding="utf-8"?>
 <p:sld xmlns:a="http://schemas.openxmlformats.org/drawingml/2006/main" xmlns:r="http://schemas.openxmlformats.org/officeDocument/2006/relationships" xmlns:p="http://schemas.openxmlformats.org/presentationml/2006/main">
   <p:cSld>
     <p:spTree>
@@ -19845,7 +21134,7 @@
 </p:sld>
 </file>
 
-<file path=ppt/slides/slide23.xml><?xml version="1.0" encoding="utf-8"?>
+<file path=ppt/slides/slide24.xml><?xml version="1.0" encoding="utf-8"?>
 <p:sld xmlns:a="http://schemas.openxmlformats.org/drawingml/2006/main" xmlns:r="http://schemas.openxmlformats.org/officeDocument/2006/relationships" xmlns:p="http://schemas.openxmlformats.org/presentationml/2006/main">
   <p:cSld>
     <p:spTree>
@@ -20353,6 +21642,119 @@
 </file>
 
 <file path=ppt/slides/slide3.xml><?xml version="1.0" encoding="utf-8"?>
+<p:sld xmlns:a="http://schemas.openxmlformats.org/drawingml/2006/main" xmlns:r="http://schemas.openxmlformats.org/officeDocument/2006/relationships" xmlns:p="http://schemas.openxmlformats.org/presentationml/2006/main">
+  <p:cSld>
+    <p:spTree>
+      <p:nvGrpSpPr>
+        <p:cNvPr id="1" name="">
+          <a:extLst>
+            <a:ext uri="{FF2B5EF4-FFF2-40B4-BE49-F238E27FC236}">
+              <a16:creationId xmlns:a16="http://schemas.microsoft.com/office/drawing/2014/main" id="{8EBF25BF-81E1-D2F9-F9C7-87C78428BB2A}"/>
+            </a:ext>
+          </a:extLst>
+        </p:cNvPr>
+        <p:cNvGrpSpPr/>
+        <p:nvPr/>
+      </p:nvGrpSpPr>
+      <p:grpSpPr>
+        <a:xfrm>
+          <a:off x="0" y="0"/>
+          <a:ext cx="0" cy="0"/>
+          <a:chOff x="0" y="0"/>
+          <a:chExt cx="0" cy="0"/>
+        </a:xfrm>
+      </p:grpSpPr>
+      <p:sp>
+        <p:nvSpPr>
+          <p:cNvPr id="2" name="Title 1">
+            <a:extLst>
+              <a:ext uri="{FF2B5EF4-FFF2-40B4-BE49-F238E27FC236}">
+                <a16:creationId xmlns:a16="http://schemas.microsoft.com/office/drawing/2014/main" id="{7F30B909-1AF2-8068-958E-2F7DA03E518D}"/>
+              </a:ext>
+            </a:extLst>
+          </p:cNvPr>
+          <p:cNvSpPr>
+            <a:spLocks noGrp="1"/>
+          </p:cNvSpPr>
+          <p:nvPr>
+            <p:ph type="title"/>
+          </p:nvPr>
+        </p:nvSpPr>
+        <p:spPr/>
+        <p:txBody>
+          <a:bodyPr/>
+          <a:lstStyle/>
+          <a:p>
+            <a:r>
+              <a:rPr lang="en-US" dirty="0"/>
+              <a:t>Plan for Today</a:t>
+            </a:r>
+          </a:p>
+        </p:txBody>
+      </p:sp>
+      <p:sp>
+        <p:nvSpPr>
+          <p:cNvPr id="3" name="Content Placeholder 2">
+            <a:extLst>
+              <a:ext uri="{FF2B5EF4-FFF2-40B4-BE49-F238E27FC236}">
+                <a16:creationId xmlns:a16="http://schemas.microsoft.com/office/drawing/2014/main" id="{285E77D7-FA87-7FF8-FBA7-E956B4B4A406}"/>
+              </a:ext>
+            </a:extLst>
+          </p:cNvPr>
+          <p:cNvSpPr>
+            <a:spLocks noGrp="1"/>
+          </p:cNvSpPr>
+          <p:nvPr>
+            <p:ph idx="1"/>
+          </p:nvPr>
+        </p:nvSpPr>
+        <p:spPr/>
+        <p:txBody>
+          <a:bodyPr>
+            <a:normAutofit/>
+          </a:bodyPr>
+          <a:lstStyle/>
+          <a:p>
+            <a:pPr>
+              <a:defRPr/>
+            </a:pPr>
+            <a:endParaRPr lang="en-US" sz="2200" dirty="0"/>
+          </a:p>
+          <a:p>
+            <a:pPr>
+              <a:defRPr/>
+            </a:pPr>
+            <a:r>
+              <a:rPr lang="en-US" sz="2200" dirty="0"/>
+              <a:t>Quadratic Discriminant Analysis</a:t>
+            </a:r>
+          </a:p>
+          <a:p>
+            <a:pPr>
+              <a:defRPr/>
+            </a:pPr>
+            <a:r>
+              <a:rPr lang="en-US" sz="2200" dirty="0"/>
+              <a:t>Naive Bayes </a:t>
+            </a:r>
+            <a:endParaRPr lang="en-US" dirty="0"/>
+          </a:p>
+        </p:txBody>
+      </p:sp>
+    </p:spTree>
+    <p:extLst>
+      <p:ext uri="{BB962C8B-B14F-4D97-AF65-F5344CB8AC3E}">
+        <p14:creationId xmlns:p14="http://schemas.microsoft.com/office/powerpoint/2010/main" val="2864165093"/>
+      </p:ext>
+    </p:extLst>
+  </p:cSld>
+  <p:clrMapOvr>
+    <a:masterClrMapping/>
+  </p:clrMapOvr>
+</p:sld>
+</file>
+
+<file path=ppt/slides/slide4.xml><?xml version="1.0" encoding="utf-8"?>
 <p:sld xmlns:a="http://schemas.openxmlformats.org/drawingml/2006/main" xmlns:r="http://schemas.openxmlformats.org/officeDocument/2006/relationships" xmlns:p="http://schemas.openxmlformats.org/presentationml/2006/main">
   <p:cSld>
     <p:spTree>
@@ -20813,7 +22215,7 @@
 </p:sld>
 </file>
 
-<file path=ppt/slides/slide4.xml><?xml version="1.0" encoding="utf-8"?>
+<file path=ppt/slides/slide5.xml><?xml version="1.0" encoding="utf-8"?>
 <p:sld xmlns:a="http://schemas.openxmlformats.org/drawingml/2006/main" xmlns:r="http://schemas.openxmlformats.org/officeDocument/2006/relationships" xmlns:p="http://schemas.openxmlformats.org/presentationml/2006/main">
   <p:cSld>
     <p:spTree>
@@ -21405,7 +22807,7 @@
 </p:sld>
 </file>
 
-<file path=ppt/slides/slide5.xml><?xml version="1.0" encoding="utf-8"?>
+<file path=ppt/slides/slide6.xml><?xml version="1.0" encoding="utf-8"?>
 <p:sld xmlns:a="http://schemas.openxmlformats.org/drawingml/2006/main" xmlns:r="http://schemas.openxmlformats.org/officeDocument/2006/relationships" xmlns:p="http://schemas.openxmlformats.org/presentationml/2006/main">
   <p:cSld>
     <p:spTree>
@@ -21733,8 +23135,8 @@
           </a:p>
         </p:txBody>
       </p:sp>
-      <mc:AlternateContent xmlns:mc="http://schemas.openxmlformats.org/markup-compatibility/2006">
-        <mc:Choice xmlns:a14="http://schemas.microsoft.com/office/drawing/2010/main" Requires="a14">
+      <mc:AlternateContent xmlns:mc="http://schemas.openxmlformats.org/markup-compatibility/2006" xmlns:a14="http://schemas.microsoft.com/office/drawing/2010/main">
+        <mc:Choice Requires="a14">
           <p:sp>
             <p:nvSpPr>
               <p:cNvPr id="3" name="Content Placeholder 2">
@@ -22216,7 +23618,7 @@
             </p:txBody>
           </p:sp>
         </mc:Choice>
-        <mc:Fallback>
+        <mc:Fallback xmlns="">
           <p:sp>
             <p:nvSpPr>
               <p:cNvPr id="3" name="Content Placeholder 2">
@@ -22273,7 +23675,7 @@
 </p:sld>
 </file>
 
-<file path=ppt/slides/slide6.xml><?xml version="1.0" encoding="utf-8"?>
+<file path=ppt/slides/slide7.xml><?xml version="1.0" encoding="utf-8"?>
 <p:sld xmlns:a="http://schemas.openxmlformats.org/drawingml/2006/main" xmlns:r="http://schemas.openxmlformats.org/officeDocument/2006/relationships" xmlns:p="http://schemas.openxmlformats.org/presentationml/2006/main">
   <p:cSld>
     <p:spTree>
@@ -22601,8 +24003,8 @@
           </a:p>
         </p:txBody>
       </p:sp>
-      <mc:AlternateContent xmlns:mc="http://schemas.openxmlformats.org/markup-compatibility/2006">
-        <mc:Choice xmlns:a14="http://schemas.microsoft.com/office/drawing/2010/main" Requires="a14">
+      <mc:AlternateContent xmlns:mc="http://schemas.openxmlformats.org/markup-compatibility/2006" xmlns:a14="http://schemas.microsoft.com/office/drawing/2010/main">
+        <mc:Choice Requires="a14">
           <p:sp>
             <p:nvSpPr>
               <p:cNvPr id="3" name="Content Placeholder 2">
@@ -23093,7 +24495,7 @@
             </p:txBody>
           </p:sp>
         </mc:Choice>
-        <mc:Fallback>
+        <mc:Fallback xmlns="">
           <p:sp>
             <p:nvSpPr>
               <p:cNvPr id="3" name="Content Placeholder 2">
@@ -23203,7 +24605,7 @@
 </p:sld>
 </file>
 
-<file path=ppt/slides/slide7.xml><?xml version="1.0" encoding="utf-8"?>
+<file path=ppt/slides/slide8.xml><?xml version="1.0" encoding="utf-8"?>
 <p:sld xmlns:a="http://schemas.openxmlformats.org/drawingml/2006/main" xmlns:r="http://schemas.openxmlformats.org/officeDocument/2006/relationships" xmlns:p="http://schemas.openxmlformats.org/presentationml/2006/main">
   <p:cSld>
     <p:spTree>
@@ -23531,8 +24933,8 @@
           </a:p>
         </p:txBody>
       </p:sp>
-      <mc:AlternateContent xmlns:mc="http://schemas.openxmlformats.org/markup-compatibility/2006">
-        <mc:Choice xmlns:a14="http://schemas.microsoft.com/office/drawing/2010/main" Requires="a14">
+      <mc:AlternateContent xmlns:mc="http://schemas.openxmlformats.org/markup-compatibility/2006" xmlns:a14="http://schemas.microsoft.com/office/drawing/2010/main">
+        <mc:Choice Requires="a14">
           <p:sp>
             <p:nvSpPr>
               <p:cNvPr id="3" name="Content Placeholder 2">
@@ -23663,7 +25065,7 @@
             </p:txBody>
           </p:sp>
         </mc:Choice>
-        <mc:Fallback>
+        <mc:Fallback xmlns="">
           <p:sp>
             <p:nvSpPr>
               <p:cNvPr id="3" name="Content Placeholder 2">
@@ -23720,7 +25122,7 @@
 </p:sld>
 </file>
 
-<file path=ppt/slides/slide8.xml><?xml version="1.0" encoding="utf-8"?>
+<file path=ppt/slides/slide9.xml><?xml version="1.0" encoding="utf-8"?>
 <p:sld xmlns:a="http://schemas.openxmlformats.org/drawingml/2006/main" xmlns:r="http://schemas.openxmlformats.org/officeDocument/2006/relationships" xmlns:p="http://schemas.openxmlformats.org/presentationml/2006/main">
   <p:cSld>
     <p:spTree>
@@ -24048,8 +25450,8 @@
           </a:p>
         </p:txBody>
       </p:sp>
-      <mc:AlternateContent xmlns:mc="http://schemas.openxmlformats.org/markup-compatibility/2006">
-        <mc:Choice xmlns:a14="http://schemas.microsoft.com/office/drawing/2010/main" Requires="a14">
+      <mc:AlternateContent xmlns:mc="http://schemas.openxmlformats.org/markup-compatibility/2006" xmlns:a14="http://schemas.microsoft.com/office/drawing/2010/main">
+        <mc:Choice Requires="a14">
           <p:sp>
             <p:nvSpPr>
               <p:cNvPr id="3" name="Content Placeholder 2">
@@ -24737,7 +26139,7 @@
             </p:txBody>
           </p:sp>
         </mc:Choice>
-        <mc:Fallback>
+        <mc:Fallback xmlns="">
           <p:sp>
             <p:nvSpPr>
               <p:cNvPr id="3" name="Content Placeholder 2">
@@ -24785,1295 +26187,6 @@
     <p:extLst>
       <p:ext uri="{BB962C8B-B14F-4D97-AF65-F5344CB8AC3E}">
         <p14:creationId xmlns:p14="http://schemas.microsoft.com/office/powerpoint/2010/main" val="4184170394"/>
-      </p:ext>
-    </p:extLst>
-  </p:cSld>
-  <p:clrMapOvr>
-    <a:masterClrMapping/>
-  </p:clrMapOvr>
-</p:sld>
-</file>
-
-<file path=ppt/slides/slide9.xml><?xml version="1.0" encoding="utf-8"?>
-<p:sld xmlns:a="http://schemas.openxmlformats.org/drawingml/2006/main" xmlns:r="http://schemas.openxmlformats.org/officeDocument/2006/relationships" xmlns:p="http://schemas.openxmlformats.org/presentationml/2006/main">
-  <p:cSld>
-    <p:spTree>
-      <p:nvGrpSpPr>
-        <p:cNvPr id="1" name="">
-          <a:extLst>
-            <a:ext uri="{FF2B5EF4-FFF2-40B4-BE49-F238E27FC236}">
-              <a16:creationId xmlns:a16="http://schemas.microsoft.com/office/drawing/2014/main" id="{9CA6A020-7B6B-9292-9641-90F61FF86E66}"/>
-            </a:ext>
-          </a:extLst>
-        </p:cNvPr>
-        <p:cNvGrpSpPr/>
-        <p:nvPr/>
-      </p:nvGrpSpPr>
-      <p:grpSpPr>
-        <a:xfrm>
-          <a:off x="0" y="0"/>
-          <a:ext cx="0" cy="0"/>
-          <a:chOff x="0" y="0"/>
-          <a:chExt cx="0" cy="0"/>
-        </a:xfrm>
-      </p:grpSpPr>
-      <p:sp>
-        <p:nvSpPr>
-          <p:cNvPr id="2" name="Title 1">
-            <a:extLst>
-              <a:ext uri="{FF2B5EF4-FFF2-40B4-BE49-F238E27FC236}">
-                <a16:creationId xmlns:a16="http://schemas.microsoft.com/office/drawing/2014/main" id="{F37EAC3E-BDCE-2659-0A66-7F39CE3F2930}"/>
-              </a:ext>
-            </a:extLst>
-          </p:cNvPr>
-          <p:cNvSpPr>
-            <a:spLocks noGrp="1"/>
-          </p:cNvSpPr>
-          <p:nvPr>
-            <p:ph type="title"/>
-          </p:nvPr>
-        </p:nvSpPr>
-        <p:spPr/>
-        <p:txBody>
-          <a:bodyPr/>
-          <a:lstStyle/>
-          <a:p>
-            <a:r>
-              <a:rPr lang="en-US" dirty="0"/>
-              <a:t>QDA </a:t>
-            </a:r>
-          </a:p>
-        </p:txBody>
-      </p:sp>
-      <p:sp>
-        <p:nvSpPr>
-          <p:cNvPr id="14" name="Content Placeholder 2">
-            <a:extLst>
-              <a:ext uri="{FF2B5EF4-FFF2-40B4-BE49-F238E27FC236}">
-                <a16:creationId xmlns:a16="http://schemas.microsoft.com/office/drawing/2014/main" id="{2E94E75F-464F-75C4-5D3D-89CA0EF9A929}"/>
-              </a:ext>
-            </a:extLst>
-          </p:cNvPr>
-          <p:cNvSpPr txBox="1">
-            <a:spLocks/>
-          </p:cNvSpPr>
-          <p:nvPr/>
-        </p:nvSpPr>
-        <p:spPr>
-          <a:xfrm>
-            <a:off x="3557392" y="801666"/>
-            <a:ext cx="7779476" cy="5849653"/>
-          </a:xfrm>
-          <a:prstGeom prst="rect">
-            <a:avLst/>
-          </a:prstGeom>
-        </p:spPr>
-        <p:txBody>
-          <a:bodyPr vert="horz" lIns="91440" tIns="45720" rIns="91440" bIns="45720" rtlCol="0" anchor="t">
-            <a:normAutofit/>
-          </a:bodyPr>
-          <a:lstStyle>
-            <a:lvl1pPr marL="182880" indent="-182880" algn="l" defTabSz="914400" rtl="0" eaLnBrk="1" latinLnBrk="0" hangingPunct="1">
-              <a:lnSpc>
-                <a:spcPct val="90000"/>
-              </a:lnSpc>
-              <a:spcBef>
-                <a:spcPts val="1200"/>
-              </a:spcBef>
-              <a:buClr>
-                <a:schemeClr val="accent1"/>
-              </a:buClr>
-              <a:buFont typeface="Wingdings 2" pitchFamily="18" charset="2"/>
-              <a:buChar char=""/>
-              <a:defRPr sz="2000" kern="1200">
-                <a:solidFill>
-                  <a:schemeClr val="tx1">
-                    <a:lumMod val="75000"/>
-                    <a:lumOff val="25000"/>
-                  </a:schemeClr>
-                </a:solidFill>
-                <a:latin typeface="+mn-lt"/>
-                <a:ea typeface="+mn-ea"/>
-                <a:cs typeface="+mn-cs"/>
-              </a:defRPr>
-            </a:lvl1pPr>
-            <a:lvl2pPr marL="685800" indent="-182880" algn="l" defTabSz="914400" rtl="0" eaLnBrk="1" latinLnBrk="0" hangingPunct="1">
-              <a:lnSpc>
-                <a:spcPct val="90000"/>
-              </a:lnSpc>
-              <a:spcBef>
-                <a:spcPts val="250"/>
-              </a:spcBef>
-              <a:spcAft>
-                <a:spcPts val="250"/>
-              </a:spcAft>
-              <a:buClr>
-                <a:schemeClr val="accent1"/>
-              </a:buClr>
-              <a:buFont typeface="Wingdings 2" pitchFamily="18" charset="2"/>
-              <a:buChar char=""/>
-              <a:defRPr sz="1800" kern="1200">
-                <a:solidFill>
-                  <a:schemeClr val="tx1">
-                    <a:lumMod val="75000"/>
-                    <a:lumOff val="25000"/>
-                  </a:schemeClr>
-                </a:solidFill>
-                <a:latin typeface="+mn-lt"/>
-                <a:ea typeface="+mn-ea"/>
-                <a:cs typeface="+mn-cs"/>
-              </a:defRPr>
-            </a:lvl2pPr>
-            <a:lvl3pPr marL="1143000" indent="-182880" algn="l" defTabSz="914400" rtl="0" eaLnBrk="1" latinLnBrk="0" hangingPunct="1">
-              <a:lnSpc>
-                <a:spcPct val="90000"/>
-              </a:lnSpc>
-              <a:spcBef>
-                <a:spcPts val="250"/>
-              </a:spcBef>
-              <a:spcAft>
-                <a:spcPts val="250"/>
-              </a:spcAft>
-              <a:buClr>
-                <a:schemeClr val="accent1"/>
-              </a:buClr>
-              <a:buFont typeface="Wingdings 2" pitchFamily="18" charset="2"/>
-              <a:buChar char=""/>
-              <a:defRPr sz="1600" kern="1200">
-                <a:solidFill>
-                  <a:schemeClr val="tx1">
-                    <a:lumMod val="75000"/>
-                    <a:lumOff val="25000"/>
-                  </a:schemeClr>
-                </a:solidFill>
-                <a:latin typeface="+mn-lt"/>
-                <a:ea typeface="+mn-ea"/>
-                <a:cs typeface="+mn-cs"/>
-              </a:defRPr>
-            </a:lvl3pPr>
-            <a:lvl4pPr marL="1600200" indent="-182880" algn="l" defTabSz="914400" rtl="0" eaLnBrk="1" latinLnBrk="0" hangingPunct="1">
-              <a:lnSpc>
-                <a:spcPct val="90000"/>
-              </a:lnSpc>
-              <a:spcBef>
-                <a:spcPts val="250"/>
-              </a:spcBef>
-              <a:spcAft>
-                <a:spcPts val="250"/>
-              </a:spcAft>
-              <a:buClr>
-                <a:schemeClr val="accent1"/>
-              </a:buClr>
-              <a:buFont typeface="Wingdings 2" pitchFamily="18" charset="2"/>
-              <a:buChar char=""/>
-              <a:defRPr sz="1400" kern="1200">
-                <a:solidFill>
-                  <a:schemeClr val="tx1">
-                    <a:lumMod val="75000"/>
-                    <a:lumOff val="25000"/>
-                  </a:schemeClr>
-                </a:solidFill>
-                <a:latin typeface="+mn-lt"/>
-                <a:ea typeface="+mn-ea"/>
-                <a:cs typeface="+mn-cs"/>
-              </a:defRPr>
-            </a:lvl4pPr>
-            <a:lvl5pPr marL="2057400" indent="-182880" algn="l" defTabSz="914400" rtl="0" eaLnBrk="1" latinLnBrk="0" hangingPunct="1">
-              <a:lnSpc>
-                <a:spcPct val="90000"/>
-              </a:lnSpc>
-              <a:spcBef>
-                <a:spcPts val="250"/>
-              </a:spcBef>
-              <a:spcAft>
-                <a:spcPts val="250"/>
-              </a:spcAft>
-              <a:buClr>
-                <a:schemeClr val="accent1"/>
-              </a:buClr>
-              <a:buFont typeface="Wingdings 2" pitchFamily="18" charset="2"/>
-              <a:buChar char=""/>
-              <a:defRPr sz="1400" kern="1200">
-                <a:solidFill>
-                  <a:schemeClr val="tx1">
-                    <a:lumMod val="75000"/>
-                    <a:lumOff val="25000"/>
-                  </a:schemeClr>
-                </a:solidFill>
-                <a:latin typeface="+mn-lt"/>
-                <a:ea typeface="+mn-ea"/>
-                <a:cs typeface="+mn-cs"/>
-              </a:defRPr>
-            </a:lvl5pPr>
-            <a:lvl6pPr marL="2514600" indent="-228600" algn="l" defTabSz="914400" rtl="0" eaLnBrk="1" latinLnBrk="0" hangingPunct="1">
-              <a:lnSpc>
-                <a:spcPct val="90000"/>
-              </a:lnSpc>
-              <a:spcBef>
-                <a:spcPts val="250"/>
-              </a:spcBef>
-              <a:spcAft>
-                <a:spcPts val="250"/>
-              </a:spcAft>
-              <a:buClr>
-                <a:schemeClr val="accent1"/>
-              </a:buClr>
-              <a:buFont typeface="Wingdings 2" pitchFamily="18" charset="2"/>
-              <a:buChar char=""/>
-              <a:defRPr sz="1400" kern="1200">
-                <a:solidFill>
-                  <a:schemeClr val="tx1">
-                    <a:lumMod val="75000"/>
-                    <a:lumOff val="25000"/>
-                  </a:schemeClr>
-                </a:solidFill>
-                <a:latin typeface="+mn-lt"/>
-                <a:ea typeface="+mn-ea"/>
-                <a:cs typeface="+mn-cs"/>
-              </a:defRPr>
-            </a:lvl6pPr>
-            <a:lvl7pPr marL="2971800" indent="-228600" algn="l" defTabSz="914400" rtl="0" eaLnBrk="1" latinLnBrk="0" hangingPunct="1">
-              <a:lnSpc>
-                <a:spcPct val="90000"/>
-              </a:lnSpc>
-              <a:spcBef>
-                <a:spcPts val="250"/>
-              </a:spcBef>
-              <a:spcAft>
-                <a:spcPts val="250"/>
-              </a:spcAft>
-              <a:buClr>
-                <a:schemeClr val="accent1"/>
-              </a:buClr>
-              <a:buFont typeface="Wingdings 2" pitchFamily="18" charset="2"/>
-              <a:buChar char=""/>
-              <a:defRPr sz="1400" kern="1200">
-                <a:solidFill>
-                  <a:schemeClr val="tx1">
-                    <a:lumMod val="75000"/>
-                    <a:lumOff val="25000"/>
-                  </a:schemeClr>
-                </a:solidFill>
-                <a:latin typeface="+mn-lt"/>
-                <a:ea typeface="+mn-ea"/>
-                <a:cs typeface="+mn-cs"/>
-              </a:defRPr>
-            </a:lvl7pPr>
-            <a:lvl8pPr marL="3429000" indent="-228600" algn="l" defTabSz="914400" rtl="0" eaLnBrk="1" latinLnBrk="0" hangingPunct="1">
-              <a:lnSpc>
-                <a:spcPct val="90000"/>
-              </a:lnSpc>
-              <a:spcBef>
-                <a:spcPts val="250"/>
-              </a:spcBef>
-              <a:spcAft>
-                <a:spcPts val="250"/>
-              </a:spcAft>
-              <a:buClr>
-                <a:schemeClr val="accent1"/>
-              </a:buClr>
-              <a:buFont typeface="Wingdings 2" pitchFamily="18" charset="2"/>
-              <a:buChar char=""/>
-              <a:defRPr sz="1400" kern="1200">
-                <a:solidFill>
-                  <a:schemeClr val="tx1">
-                    <a:lumMod val="75000"/>
-                    <a:lumOff val="25000"/>
-                  </a:schemeClr>
-                </a:solidFill>
-                <a:latin typeface="+mn-lt"/>
-                <a:ea typeface="+mn-ea"/>
-                <a:cs typeface="+mn-cs"/>
-              </a:defRPr>
-            </a:lvl8pPr>
-            <a:lvl9pPr marL="3886200" indent="-228600" algn="l" defTabSz="914400" rtl="0" eaLnBrk="1" latinLnBrk="0" hangingPunct="1">
-              <a:lnSpc>
-                <a:spcPct val="90000"/>
-              </a:lnSpc>
-              <a:spcBef>
-                <a:spcPts val="250"/>
-              </a:spcBef>
-              <a:spcAft>
-                <a:spcPts val="250"/>
-              </a:spcAft>
-              <a:buClr>
-                <a:schemeClr val="accent1"/>
-              </a:buClr>
-              <a:buFont typeface="Wingdings 2" pitchFamily="18" charset="2"/>
-              <a:buChar char=""/>
-              <a:defRPr sz="1400" kern="1200">
-                <a:solidFill>
-                  <a:schemeClr val="tx1">
-                    <a:lumMod val="75000"/>
-                    <a:lumOff val="25000"/>
-                  </a:schemeClr>
-                </a:solidFill>
-                <a:latin typeface="+mn-lt"/>
-                <a:ea typeface="+mn-ea"/>
-                <a:cs typeface="+mn-cs"/>
-              </a:defRPr>
-            </a:lvl9pPr>
-          </a:lstStyle>
-          <a:p>
-            <a:pPr marL="502920" lvl="1" indent="0">
-              <a:buNone/>
-            </a:pPr>
-            <a:endParaRPr lang="en-US" sz="2200" dirty="0"/>
-          </a:p>
-        </p:txBody>
-      </p:sp>
-      <mc:AlternateContent xmlns:mc="http://schemas.openxmlformats.org/markup-compatibility/2006">
-        <mc:Choice xmlns:a14="http://schemas.microsoft.com/office/drawing/2010/main" Requires="a14">
-          <p:sp>
-            <p:nvSpPr>
-              <p:cNvPr id="3" name="Content Placeholder 2">
-                <a:extLst>
-                  <a:ext uri="{FF2B5EF4-FFF2-40B4-BE49-F238E27FC236}">
-                    <a16:creationId xmlns:a16="http://schemas.microsoft.com/office/drawing/2014/main" id="{E257CB29-F547-0547-1532-BFBC459E5DF2}"/>
-                  </a:ext>
-                </a:extLst>
-              </p:cNvPr>
-              <p:cNvSpPr>
-                <a:spLocks noGrp="1"/>
-              </p:cNvSpPr>
-              <p:nvPr>
-                <p:ph idx="1"/>
-              </p:nvPr>
-            </p:nvSpPr>
-            <p:spPr>
-              <a:xfrm>
-                <a:off x="3557393" y="512064"/>
-                <a:ext cx="8381688" cy="6345935"/>
-              </a:xfrm>
-            </p:spPr>
-            <p:txBody>
-              <a:bodyPr anchor="t">
-                <a:normAutofit/>
-              </a:bodyPr>
-              <a:lstStyle/>
-              <a:p>
-                <a:pPr marL="0" indent="0">
-                  <a:buNone/>
-                  <a:defRPr/>
-                </a:pPr>
-                <a:r>
-                  <a:rPr lang="en-US" sz="2400" dirty="0"/>
-                  <a:t>LDA </a:t>
-                </a:r>
-                <a:r>
-                  <a:rPr lang="en-US" sz="2400" i="1" dirty="0">
-                    <a:sym typeface="Wingdings" pitchFamily="2" charset="2"/>
-                  </a:rPr>
-                  <a:t> </a:t>
-                </a:r>
-                <a:r>
-                  <a:rPr lang="en-US" sz="2400" b="1" i="1" dirty="0">
-                    <a:effectLst>
-                      <a:glow rad="228600">
-                        <a:schemeClr val="accent3">
-                          <a:satMod val="175000"/>
-                          <a:alpha val="40000"/>
-                        </a:schemeClr>
-                      </a:glow>
-                    </a:effectLst>
-                    <a:sym typeface="Wingdings" pitchFamily="2" charset="2"/>
-                  </a:rPr>
-                  <a:t>Quadratic Discriminant Analysis</a:t>
-                </a:r>
-                <a:endParaRPr lang="en-US" sz="2400" dirty="0"/>
-              </a:p>
-              <a:p>
-                <a:pPr>
-                  <a:defRPr/>
-                </a:pPr>
-                <a:r>
-                  <a:rPr lang="en-US" sz="2400" dirty="0"/>
-                  <a:t>Relax the LDA assumption that classes have uniform variance</a:t>
-                </a:r>
-              </a:p>
-              <a:p>
-                <a:pPr>
-                  <a:defRPr/>
-                </a:pPr>
-                <a:r>
-                  <a:rPr lang="en-US" sz="2400" dirty="0"/>
-                  <a:t>That means we now have</a:t>
-                </a:r>
-              </a:p>
-              <a:p>
-                <a:pPr>
-                  <a:defRPr/>
-                </a:pPr>
-                <a:endParaRPr lang="en-US" sz="2400" dirty="0"/>
-              </a:p>
-              <a:p>
-                <a:pPr marL="0" indent="0">
-                  <a:buNone/>
-                  <a:defRPr/>
-                </a:pPr>
-                <a14:m>
-                  <m:oMathPara xmlns:m="http://schemas.openxmlformats.org/officeDocument/2006/math">
-                    <m:oMathParaPr>
-                      <m:jc m:val="centerGroup"/>
-                    </m:oMathParaPr>
-                    <m:oMath xmlns:m="http://schemas.openxmlformats.org/officeDocument/2006/math">
-                      <m:r>
-                        <m:rPr>
-                          <m:sty m:val="p"/>
-                        </m:rPr>
-                        <a:rPr lang="el-GR" sz="2400" i="1">
-                          <a:latin typeface="Cambria Math" panose="02040503050406030204" pitchFamily="18" charset="0"/>
-                          <a:ea typeface="Cambria Math" panose="02040503050406030204" pitchFamily="18" charset="0"/>
-                        </a:rPr>
-                        <m:t>Σ</m:t>
-                      </m:r>
-                      <m:r>
-                        <a:rPr lang="en-US" sz="2400" i="1">
-                          <a:latin typeface="Cambria Math" panose="02040503050406030204" pitchFamily="18" charset="0"/>
-                        </a:rPr>
-                        <m:t>→</m:t>
-                      </m:r>
-                      <m:sSub>
-                        <m:sSubPr>
-                          <m:ctrlPr>
-                            <a:rPr lang="en-US" sz="2400" i="1">
-                              <a:latin typeface="Cambria Math" panose="02040503050406030204" pitchFamily="18" charset="0"/>
-                              <a:ea typeface="Cambria Math" panose="02040503050406030204" pitchFamily="18" charset="0"/>
-                            </a:rPr>
-                          </m:ctrlPr>
-                        </m:sSubPr>
-                        <m:e>
-                          <m:r>
-                            <m:rPr>
-                              <m:sty m:val="p"/>
-                            </m:rPr>
-                            <a:rPr lang="el-GR" sz="2400" i="1">
-                              <a:latin typeface="Cambria Math" panose="02040503050406030204" pitchFamily="18" charset="0"/>
-                              <a:ea typeface="Cambria Math" panose="02040503050406030204" pitchFamily="18" charset="0"/>
-                            </a:rPr>
-                            <m:t>Σ</m:t>
-                          </m:r>
-                        </m:e>
-                        <m:sub>
-                          <m:r>
-                            <a:rPr lang="en-US" sz="2400" i="1">
-                              <a:latin typeface="Cambria Math" panose="02040503050406030204" pitchFamily="18" charset="0"/>
-                              <a:ea typeface="Cambria Math" panose="02040503050406030204" pitchFamily="18" charset="0"/>
-                            </a:rPr>
-                            <m:t>𝑘</m:t>
-                          </m:r>
-                        </m:sub>
-                      </m:sSub>
-                    </m:oMath>
-                  </m:oMathPara>
-                </a14:m>
-                <a:endParaRPr lang="en-US" sz="2400" i="1" dirty="0"/>
-              </a:p>
-              <a:p>
-                <a:pPr marL="0" indent="0">
-                  <a:buNone/>
-                  <a:defRPr/>
-                </a:pPr>
-                <a:endParaRPr lang="en-US" sz="2400" i="1" dirty="0"/>
-              </a:p>
-              <a:p>
-                <a:pPr>
-                  <a:defRPr/>
-                </a:pPr>
-                <a:r>
-                  <a:rPr lang="en-US" sz="2400" dirty="0"/>
-                  <a:t>If we plus this into Bayes we get: </a:t>
-                </a:r>
-              </a:p>
-              <a:p>
-                <a:pPr>
-                  <a:defRPr/>
-                </a:pPr>
-                <a:endParaRPr lang="en-US" sz="2400" dirty="0"/>
-              </a:p>
-              <a:p>
-                <a:pPr marL="0" indent="0">
-                  <a:buNone/>
-                  <a:defRPr/>
-                </a:pPr>
-                <a14:m>
-                  <m:oMathPara xmlns:m="http://schemas.openxmlformats.org/officeDocument/2006/math">
-                    <m:oMathParaPr>
-                      <m:jc m:val="centerGroup"/>
-                    </m:oMathParaPr>
-                    <m:oMath xmlns:m="http://schemas.openxmlformats.org/officeDocument/2006/math">
-                      <m:sSub>
-                        <m:sSubPr>
-                          <m:ctrlPr>
-                            <a:rPr lang="en-US" sz="2400" b="0" i="1" smtClean="0">
-                              <a:latin typeface="Cambria Math" panose="02040503050406030204" pitchFamily="18" charset="0"/>
-                              <a:ea typeface="Cambria Math" panose="02040503050406030204" pitchFamily="18" charset="0"/>
-                            </a:rPr>
-                          </m:ctrlPr>
-                        </m:sSubPr>
-                        <m:e>
-                          <m:r>
-                            <a:rPr lang="en-US" sz="2400" i="1" smtClean="0">
-                              <a:latin typeface="Cambria Math" panose="02040503050406030204" pitchFamily="18" charset="0"/>
-                              <a:ea typeface="Cambria Math" panose="02040503050406030204" pitchFamily="18" charset="0"/>
-                            </a:rPr>
-                            <m:t>𝛿</m:t>
-                          </m:r>
-                        </m:e>
-                        <m:sub>
-                          <m:r>
-                            <a:rPr lang="en-US" sz="2400" b="0" i="1" smtClean="0">
-                              <a:latin typeface="Cambria Math" panose="02040503050406030204" pitchFamily="18" charset="0"/>
-                              <a:ea typeface="Cambria Math" panose="02040503050406030204" pitchFamily="18" charset="0"/>
-                            </a:rPr>
-                            <m:t>𝑘</m:t>
-                          </m:r>
-                        </m:sub>
-                      </m:sSub>
-                      <m:d>
-                        <m:dPr>
-                          <m:ctrlPr>
-                            <a:rPr lang="en-US" sz="2400" b="0" i="1" smtClean="0">
-                              <a:latin typeface="Cambria Math" panose="02040503050406030204" pitchFamily="18" charset="0"/>
-                              <a:ea typeface="Cambria Math" panose="02040503050406030204" pitchFamily="18" charset="0"/>
-                            </a:rPr>
-                          </m:ctrlPr>
-                        </m:dPr>
-                        <m:e>
-                          <m:r>
-                            <a:rPr lang="en-US" sz="2400" b="0" i="1" smtClean="0">
-                              <a:latin typeface="Cambria Math" panose="02040503050406030204" pitchFamily="18" charset="0"/>
-                              <a:ea typeface="Cambria Math" panose="02040503050406030204" pitchFamily="18" charset="0"/>
-                            </a:rPr>
-                            <m:t>𝑥</m:t>
-                          </m:r>
-                        </m:e>
-                      </m:d>
-                      <m:r>
-                        <a:rPr lang="en-US" sz="2400" b="0" i="1" smtClean="0">
-                          <a:latin typeface="Cambria Math" panose="02040503050406030204" pitchFamily="18" charset="0"/>
-                          <a:ea typeface="Cambria Math" panose="02040503050406030204" pitchFamily="18" charset="0"/>
-                        </a:rPr>
-                        <m:t>=−</m:t>
-                      </m:r>
-                      <m:f>
-                        <m:fPr>
-                          <m:ctrlPr>
-                            <a:rPr lang="en-US" sz="2400" b="0" i="1" smtClean="0">
-                              <a:latin typeface="Cambria Math" panose="02040503050406030204" pitchFamily="18" charset="0"/>
-                              <a:ea typeface="Cambria Math" panose="02040503050406030204" pitchFamily="18" charset="0"/>
-                            </a:rPr>
-                          </m:ctrlPr>
-                        </m:fPr>
-                        <m:num>
-                          <m:sSup>
-                            <m:sSupPr>
-                              <m:ctrlPr>
-                                <a:rPr lang="en-US" sz="2400" b="0" i="1" smtClean="0">
-                                  <a:latin typeface="Cambria Math" panose="02040503050406030204" pitchFamily="18" charset="0"/>
-                                  <a:ea typeface="Cambria Math" panose="02040503050406030204" pitchFamily="18" charset="0"/>
-                                </a:rPr>
-                              </m:ctrlPr>
-                            </m:sSupPr>
-                            <m:e>
-                              <m:r>
-                                <a:rPr lang="en-US" sz="2400" b="0" i="1" smtClean="0">
-                                  <a:latin typeface="Cambria Math" panose="02040503050406030204" pitchFamily="18" charset="0"/>
-                                  <a:ea typeface="Cambria Math" panose="02040503050406030204" pitchFamily="18" charset="0"/>
-                                </a:rPr>
-                                <m:t>𝑥</m:t>
-                              </m:r>
-                            </m:e>
-                            <m:sup>
-                              <m:r>
-                                <a:rPr lang="en-US" sz="2400" b="0" i="1" smtClean="0">
-                                  <a:latin typeface="Cambria Math" panose="02040503050406030204" pitchFamily="18" charset="0"/>
-                                  <a:ea typeface="Cambria Math" panose="02040503050406030204" pitchFamily="18" charset="0"/>
-                                </a:rPr>
-                                <m:t>𝑇</m:t>
-                              </m:r>
-                            </m:sup>
-                          </m:sSup>
-                          <m:r>
-                            <a:rPr lang="en-US" sz="2400" b="0" i="1" smtClean="0">
-                              <a:latin typeface="Cambria Math" panose="02040503050406030204" pitchFamily="18" charset="0"/>
-                              <a:ea typeface="Cambria Math" panose="02040503050406030204" pitchFamily="18" charset="0"/>
-                            </a:rPr>
-                            <m:t>𝑥</m:t>
-                          </m:r>
-                        </m:num>
-                        <m:den>
-                          <m:r>
-                            <a:rPr lang="en-US" sz="2400" b="0" i="1" smtClean="0">
-                              <a:latin typeface="Cambria Math" panose="02040503050406030204" pitchFamily="18" charset="0"/>
-                              <a:ea typeface="Cambria Math" panose="02040503050406030204" pitchFamily="18" charset="0"/>
-                            </a:rPr>
-                            <m:t>2</m:t>
-                          </m:r>
-                          <m:sSub>
-                            <m:sSubPr>
-                              <m:ctrlPr>
-                                <a:rPr lang="en-US" sz="2400" b="0" i="1" smtClean="0">
-                                  <a:latin typeface="Cambria Math" panose="02040503050406030204" pitchFamily="18" charset="0"/>
-                                  <a:ea typeface="Cambria Math" panose="02040503050406030204" pitchFamily="18" charset="0"/>
-                                </a:rPr>
-                              </m:ctrlPr>
-                            </m:sSubPr>
-                            <m:e>
-                              <m:r>
-                                <m:rPr>
-                                  <m:sty m:val="p"/>
-                                </m:rPr>
-                                <a:rPr lang="el-GR" sz="2400" b="0" i="1" smtClean="0">
-                                  <a:latin typeface="Cambria Math" panose="02040503050406030204" pitchFamily="18" charset="0"/>
-                                  <a:ea typeface="Cambria Math" panose="02040503050406030204" pitchFamily="18" charset="0"/>
-                                </a:rPr>
-                                <m:t>Σ</m:t>
-                              </m:r>
-                            </m:e>
-                            <m:sub>
-                              <m:r>
-                                <a:rPr lang="en-US" sz="2400" b="0" i="1" smtClean="0">
-                                  <a:latin typeface="Cambria Math" panose="02040503050406030204" pitchFamily="18" charset="0"/>
-                                  <a:ea typeface="Cambria Math" panose="02040503050406030204" pitchFamily="18" charset="0"/>
-                                </a:rPr>
-                                <m:t>𝑘</m:t>
-                              </m:r>
-                            </m:sub>
-                          </m:sSub>
-                        </m:den>
-                      </m:f>
-                      <m:r>
-                        <a:rPr lang="en-US" sz="2400" b="0" i="1" smtClean="0">
-                          <a:latin typeface="Cambria Math" panose="02040503050406030204" pitchFamily="18" charset="0"/>
-                          <a:ea typeface="Cambria Math" panose="02040503050406030204" pitchFamily="18" charset="0"/>
-                        </a:rPr>
-                        <m:t>+</m:t>
-                      </m:r>
-                      <m:f>
-                        <m:fPr>
-                          <m:ctrlPr>
-                            <a:rPr lang="en-US" sz="2400" b="0" i="1" smtClean="0">
-                              <a:latin typeface="Cambria Math" panose="02040503050406030204" pitchFamily="18" charset="0"/>
-                              <a:ea typeface="Cambria Math" panose="02040503050406030204" pitchFamily="18" charset="0"/>
-                            </a:rPr>
-                          </m:ctrlPr>
-                        </m:fPr>
-                        <m:num>
-                          <m:sSup>
-                            <m:sSupPr>
-                              <m:ctrlPr>
-                                <a:rPr lang="en-US" sz="2400" b="0" i="1" smtClean="0">
-                                  <a:latin typeface="Cambria Math" panose="02040503050406030204" pitchFamily="18" charset="0"/>
-                                  <a:ea typeface="Cambria Math" panose="02040503050406030204" pitchFamily="18" charset="0"/>
-                                </a:rPr>
-                              </m:ctrlPr>
-                            </m:sSupPr>
-                            <m:e>
-                              <m:r>
-                                <a:rPr lang="en-US" sz="2400" b="0" i="1" smtClean="0">
-                                  <a:latin typeface="Cambria Math" panose="02040503050406030204" pitchFamily="18" charset="0"/>
-                                  <a:ea typeface="Cambria Math" panose="02040503050406030204" pitchFamily="18" charset="0"/>
-                                </a:rPr>
-                                <m:t>𝑥</m:t>
-                              </m:r>
-                            </m:e>
-                            <m:sup>
-                              <m:r>
-                                <a:rPr lang="en-US" sz="2400" b="0" i="1" smtClean="0">
-                                  <a:latin typeface="Cambria Math" panose="02040503050406030204" pitchFamily="18" charset="0"/>
-                                  <a:ea typeface="Cambria Math" panose="02040503050406030204" pitchFamily="18" charset="0"/>
-                                </a:rPr>
-                                <m:t>𝑇</m:t>
-                              </m:r>
-                            </m:sup>
-                          </m:sSup>
-                          <m:sSub>
-                            <m:sSubPr>
-                              <m:ctrlPr>
-                                <a:rPr lang="en-US" sz="2400" b="0" i="1" smtClean="0">
-                                  <a:latin typeface="Cambria Math" panose="02040503050406030204" pitchFamily="18" charset="0"/>
-                                  <a:ea typeface="Cambria Math" panose="02040503050406030204" pitchFamily="18" charset="0"/>
-                                </a:rPr>
-                              </m:ctrlPr>
-                            </m:sSubPr>
-                            <m:e>
-                              <m:r>
-                                <a:rPr lang="en-US" sz="2400" b="0" i="1" smtClean="0">
-                                  <a:latin typeface="Cambria Math" panose="02040503050406030204" pitchFamily="18" charset="0"/>
-                                  <a:ea typeface="Cambria Math" panose="02040503050406030204" pitchFamily="18" charset="0"/>
-                                </a:rPr>
-                                <m:t>𝜇</m:t>
-                              </m:r>
-                            </m:e>
-                            <m:sub>
-                              <m:r>
-                                <a:rPr lang="en-US" sz="2400" b="0" i="1" smtClean="0">
-                                  <a:latin typeface="Cambria Math" panose="02040503050406030204" pitchFamily="18" charset="0"/>
-                                  <a:ea typeface="Cambria Math" panose="02040503050406030204" pitchFamily="18" charset="0"/>
-                                </a:rPr>
-                                <m:t>𝑘</m:t>
-                              </m:r>
-                            </m:sub>
-                          </m:sSub>
-                        </m:num>
-                        <m:den>
-                          <m:sSub>
-                            <m:sSubPr>
-                              <m:ctrlPr>
-                                <a:rPr lang="en-US" sz="2400" b="0" i="1" smtClean="0">
-                                  <a:latin typeface="Cambria Math" panose="02040503050406030204" pitchFamily="18" charset="0"/>
-                                  <a:ea typeface="Cambria Math" panose="02040503050406030204" pitchFamily="18" charset="0"/>
-                                </a:rPr>
-                              </m:ctrlPr>
-                            </m:sSubPr>
-                            <m:e>
-                              <m:r>
-                                <m:rPr>
-                                  <m:sty m:val="p"/>
-                                </m:rPr>
-                                <a:rPr lang="el-GR" sz="2400" b="0" i="1" smtClean="0">
-                                  <a:latin typeface="Cambria Math" panose="02040503050406030204" pitchFamily="18" charset="0"/>
-                                  <a:ea typeface="Cambria Math" panose="02040503050406030204" pitchFamily="18" charset="0"/>
-                                </a:rPr>
-                                <m:t>Σ</m:t>
-                              </m:r>
-                            </m:e>
-                            <m:sub>
-                              <m:r>
-                                <a:rPr lang="en-US" sz="2400" b="0" i="1" smtClean="0">
-                                  <a:latin typeface="Cambria Math" panose="02040503050406030204" pitchFamily="18" charset="0"/>
-                                  <a:ea typeface="Cambria Math" panose="02040503050406030204" pitchFamily="18" charset="0"/>
-                                </a:rPr>
-                                <m:t>𝑘</m:t>
-                              </m:r>
-                            </m:sub>
-                          </m:sSub>
-                        </m:den>
-                      </m:f>
-                      <m:r>
-                        <a:rPr lang="en-US" sz="2400" b="0" i="1" smtClean="0">
-                          <a:latin typeface="Cambria Math" panose="02040503050406030204" pitchFamily="18" charset="0"/>
-                          <a:ea typeface="Cambria Math" panose="02040503050406030204" pitchFamily="18" charset="0"/>
-                        </a:rPr>
-                        <m:t>−</m:t>
-                      </m:r>
-                      <m:f>
-                        <m:fPr>
-                          <m:ctrlPr>
-                            <a:rPr lang="en-US" sz="2400" b="0" i="1" smtClean="0">
-                              <a:latin typeface="Cambria Math" panose="02040503050406030204" pitchFamily="18" charset="0"/>
-                              <a:ea typeface="Cambria Math" panose="02040503050406030204" pitchFamily="18" charset="0"/>
-                            </a:rPr>
-                          </m:ctrlPr>
-                        </m:fPr>
-                        <m:num>
-                          <m:sSubSup>
-                            <m:sSubSupPr>
-                              <m:ctrlPr>
-                                <a:rPr lang="en-US" sz="2400" b="0" i="1" smtClean="0">
-                                  <a:latin typeface="Cambria Math" panose="02040503050406030204" pitchFamily="18" charset="0"/>
-                                  <a:ea typeface="Cambria Math" panose="02040503050406030204" pitchFamily="18" charset="0"/>
-                                </a:rPr>
-                              </m:ctrlPr>
-                            </m:sSubSupPr>
-                            <m:e>
-                              <m:r>
-                                <a:rPr lang="en-US" sz="2400" b="0" i="1" smtClean="0">
-                                  <a:latin typeface="Cambria Math" panose="02040503050406030204" pitchFamily="18" charset="0"/>
-                                  <a:ea typeface="Cambria Math" panose="02040503050406030204" pitchFamily="18" charset="0"/>
-                                </a:rPr>
-                                <m:t>𝜇</m:t>
-                              </m:r>
-                            </m:e>
-                            <m:sub>
-                              <m:r>
-                                <a:rPr lang="en-US" sz="2400" b="0" i="1" smtClean="0">
-                                  <a:latin typeface="Cambria Math" panose="02040503050406030204" pitchFamily="18" charset="0"/>
-                                  <a:ea typeface="Cambria Math" panose="02040503050406030204" pitchFamily="18" charset="0"/>
-                                </a:rPr>
-                                <m:t>𝑘</m:t>
-                              </m:r>
-                            </m:sub>
-                            <m:sup>
-                              <m:r>
-                                <a:rPr lang="en-US" sz="2400" b="0" i="1" smtClean="0">
-                                  <a:latin typeface="Cambria Math" panose="02040503050406030204" pitchFamily="18" charset="0"/>
-                                  <a:ea typeface="Cambria Math" panose="02040503050406030204" pitchFamily="18" charset="0"/>
-                                </a:rPr>
-                                <m:t>𝑇</m:t>
-                              </m:r>
-                            </m:sup>
-                          </m:sSubSup>
-                          <m:sSub>
-                            <m:sSubPr>
-                              <m:ctrlPr>
-                                <a:rPr lang="en-US" sz="2400" b="0" i="1" smtClean="0">
-                                  <a:latin typeface="Cambria Math" panose="02040503050406030204" pitchFamily="18" charset="0"/>
-                                  <a:ea typeface="Cambria Math" panose="02040503050406030204" pitchFamily="18" charset="0"/>
-                                </a:rPr>
-                              </m:ctrlPr>
-                            </m:sSubPr>
-                            <m:e>
-                              <m:r>
-                                <a:rPr lang="en-US" sz="2400" b="0" i="1" smtClean="0">
-                                  <a:latin typeface="Cambria Math" panose="02040503050406030204" pitchFamily="18" charset="0"/>
-                                  <a:ea typeface="Cambria Math" panose="02040503050406030204" pitchFamily="18" charset="0"/>
-                                </a:rPr>
-                                <m:t>𝜇</m:t>
-                              </m:r>
-                            </m:e>
-                            <m:sub>
-                              <m:r>
-                                <a:rPr lang="en-US" sz="2400" b="0" i="1" smtClean="0">
-                                  <a:latin typeface="Cambria Math" panose="02040503050406030204" pitchFamily="18" charset="0"/>
-                                  <a:ea typeface="Cambria Math" panose="02040503050406030204" pitchFamily="18" charset="0"/>
-                                </a:rPr>
-                                <m:t>𝑘</m:t>
-                              </m:r>
-                            </m:sub>
-                          </m:sSub>
-                        </m:num>
-                        <m:den>
-                          <m:r>
-                            <a:rPr lang="en-US" sz="2400" b="0" i="1" smtClean="0">
-                              <a:latin typeface="Cambria Math" panose="02040503050406030204" pitchFamily="18" charset="0"/>
-                              <a:ea typeface="Cambria Math" panose="02040503050406030204" pitchFamily="18" charset="0"/>
-                            </a:rPr>
-                            <m:t>2</m:t>
-                          </m:r>
-                          <m:sSub>
-                            <m:sSubPr>
-                              <m:ctrlPr>
-                                <a:rPr lang="en-US" sz="2400" b="0" i="1" smtClean="0">
-                                  <a:latin typeface="Cambria Math" panose="02040503050406030204" pitchFamily="18" charset="0"/>
-                                  <a:ea typeface="Cambria Math" panose="02040503050406030204" pitchFamily="18" charset="0"/>
-                                </a:rPr>
-                              </m:ctrlPr>
-                            </m:sSubPr>
-                            <m:e>
-                              <m:r>
-                                <m:rPr>
-                                  <m:sty m:val="p"/>
-                                </m:rPr>
-                                <a:rPr lang="el-GR" sz="2400" b="0" i="1" smtClean="0">
-                                  <a:latin typeface="Cambria Math" panose="02040503050406030204" pitchFamily="18" charset="0"/>
-                                  <a:ea typeface="Cambria Math" panose="02040503050406030204" pitchFamily="18" charset="0"/>
-                                </a:rPr>
-                                <m:t>Σ</m:t>
-                              </m:r>
-                            </m:e>
-                            <m:sub>
-                              <m:r>
-                                <a:rPr lang="en-US" sz="2400" b="0" i="1" smtClean="0">
-                                  <a:latin typeface="Cambria Math" panose="02040503050406030204" pitchFamily="18" charset="0"/>
-                                  <a:ea typeface="Cambria Math" panose="02040503050406030204" pitchFamily="18" charset="0"/>
-                                </a:rPr>
-                                <m:t>𝑘</m:t>
-                              </m:r>
-                            </m:sub>
-                          </m:sSub>
-                        </m:den>
-                      </m:f>
-                      <m:r>
-                        <a:rPr lang="en-US" sz="2400" b="0" i="1" smtClean="0">
-                          <a:latin typeface="Cambria Math" panose="02040503050406030204" pitchFamily="18" charset="0"/>
-                          <a:ea typeface="Cambria Math" panose="02040503050406030204" pitchFamily="18" charset="0"/>
-                        </a:rPr>
-                        <m:t>−</m:t>
-                      </m:r>
-                      <m:f>
-                        <m:fPr>
-                          <m:ctrlPr>
-                            <a:rPr lang="en-US" sz="2400" b="0" i="1" smtClean="0">
-                              <a:latin typeface="Cambria Math" panose="02040503050406030204" pitchFamily="18" charset="0"/>
-                              <a:ea typeface="Cambria Math" panose="02040503050406030204" pitchFamily="18" charset="0"/>
-                            </a:rPr>
-                          </m:ctrlPr>
-                        </m:fPr>
-                        <m:num>
-                          <m:func>
-                            <m:funcPr>
-                              <m:ctrlPr>
-                                <a:rPr lang="en-US" sz="2400" b="0" i="1" smtClean="0">
-                                  <a:latin typeface="Cambria Math" panose="02040503050406030204" pitchFamily="18" charset="0"/>
-                                  <a:ea typeface="Cambria Math" panose="02040503050406030204" pitchFamily="18" charset="0"/>
-                                </a:rPr>
-                              </m:ctrlPr>
-                            </m:funcPr>
-                            <m:fName>
-                              <m:r>
-                                <m:rPr>
-                                  <m:sty m:val="p"/>
-                                </m:rPr>
-                                <a:rPr lang="en-US" sz="2400" b="0" i="0" smtClean="0">
-                                  <a:latin typeface="Cambria Math" panose="02040503050406030204" pitchFamily="18" charset="0"/>
-                                  <a:ea typeface="Cambria Math" panose="02040503050406030204" pitchFamily="18" charset="0"/>
-                                </a:rPr>
-                                <m:t>log</m:t>
-                              </m:r>
-                            </m:fName>
-                            <m:e>
-                              <m:d>
-                                <m:dPr>
-                                  <m:begChr m:val="|"/>
-                                  <m:endChr m:val="|"/>
-                                  <m:ctrlPr>
-                                    <a:rPr lang="en-US" sz="2400" b="0" i="1" smtClean="0">
-                                      <a:latin typeface="Cambria Math" panose="02040503050406030204" pitchFamily="18" charset="0"/>
-                                      <a:ea typeface="Cambria Math" panose="02040503050406030204" pitchFamily="18" charset="0"/>
-                                    </a:rPr>
-                                  </m:ctrlPr>
-                                </m:dPr>
-                                <m:e>
-                                  <m:sSub>
-                                    <m:sSubPr>
-                                      <m:ctrlPr>
-                                        <a:rPr lang="en-US" sz="2400" b="0" i="1" smtClean="0">
-                                          <a:latin typeface="Cambria Math" panose="02040503050406030204" pitchFamily="18" charset="0"/>
-                                          <a:ea typeface="Cambria Math" panose="02040503050406030204" pitchFamily="18" charset="0"/>
-                                        </a:rPr>
-                                      </m:ctrlPr>
-                                    </m:sSubPr>
-                                    <m:e>
-                                      <m:r>
-                                        <m:rPr>
-                                          <m:sty m:val="p"/>
-                                        </m:rPr>
-                                        <a:rPr lang="el-GR" sz="2400" b="0" i="1" smtClean="0">
-                                          <a:latin typeface="Cambria Math" panose="02040503050406030204" pitchFamily="18" charset="0"/>
-                                          <a:ea typeface="Cambria Math" panose="02040503050406030204" pitchFamily="18" charset="0"/>
-                                        </a:rPr>
-                                        <m:t>Σ</m:t>
-                                      </m:r>
-                                    </m:e>
-                                    <m:sub>
-                                      <m:r>
-                                        <a:rPr lang="en-US" sz="2400" b="0" i="1" smtClean="0">
-                                          <a:latin typeface="Cambria Math" panose="02040503050406030204" pitchFamily="18" charset="0"/>
-                                          <a:ea typeface="Cambria Math" panose="02040503050406030204" pitchFamily="18" charset="0"/>
-                                        </a:rPr>
-                                        <m:t>𝑘</m:t>
-                                      </m:r>
-                                    </m:sub>
-                                  </m:sSub>
-                                </m:e>
-                              </m:d>
-                            </m:e>
-                          </m:func>
-                        </m:num>
-                        <m:den>
-                          <m:r>
-                            <a:rPr lang="en-US" sz="2400" b="0" i="1" smtClean="0">
-                              <a:latin typeface="Cambria Math" panose="02040503050406030204" pitchFamily="18" charset="0"/>
-                              <a:ea typeface="Cambria Math" panose="02040503050406030204" pitchFamily="18" charset="0"/>
-                            </a:rPr>
-                            <m:t>2</m:t>
-                          </m:r>
-                        </m:den>
-                      </m:f>
-                      <m:r>
-                        <a:rPr lang="en-US" sz="2400" b="0" i="1" smtClean="0">
-                          <a:latin typeface="Cambria Math" panose="02040503050406030204" pitchFamily="18" charset="0"/>
-                          <a:ea typeface="Cambria Math" panose="02040503050406030204" pitchFamily="18" charset="0"/>
-                        </a:rPr>
-                        <m:t>+</m:t>
-                      </m:r>
-                      <m:r>
-                        <a:rPr lang="en-US" sz="2400" b="0" i="1" smtClean="0">
-                          <a:latin typeface="Cambria Math" panose="02040503050406030204" pitchFamily="18" charset="0"/>
-                          <a:ea typeface="Cambria Math" panose="02040503050406030204" pitchFamily="18" charset="0"/>
-                        </a:rPr>
-                        <m:t>𝑙𝑜𝑔</m:t>
-                      </m:r>
-                      <m:sSub>
-                        <m:sSubPr>
-                          <m:ctrlPr>
-                            <a:rPr lang="en-US" sz="2400" b="0" i="1" smtClean="0">
-                              <a:latin typeface="Cambria Math" panose="02040503050406030204" pitchFamily="18" charset="0"/>
-                              <a:ea typeface="Cambria Math" panose="02040503050406030204" pitchFamily="18" charset="0"/>
-                            </a:rPr>
-                          </m:ctrlPr>
-                        </m:sSubPr>
-                        <m:e>
-                          <m:r>
-                            <a:rPr lang="en-US" sz="2400" b="0" i="1" smtClean="0">
-                              <a:latin typeface="Cambria Math" panose="02040503050406030204" pitchFamily="18" charset="0"/>
-                              <a:ea typeface="Cambria Math" panose="02040503050406030204" pitchFamily="18" charset="0"/>
-                            </a:rPr>
-                            <m:t>𝜋</m:t>
-                          </m:r>
-                        </m:e>
-                        <m:sub>
-                          <m:r>
-                            <a:rPr lang="en-US" sz="2400" b="0" i="1" smtClean="0">
-                              <a:latin typeface="Cambria Math" panose="02040503050406030204" pitchFamily="18" charset="0"/>
-                              <a:ea typeface="Cambria Math" panose="02040503050406030204" pitchFamily="18" charset="0"/>
-                            </a:rPr>
-                            <m:t>𝑘</m:t>
-                          </m:r>
-                        </m:sub>
-                      </m:sSub>
-                    </m:oMath>
-                  </m:oMathPara>
-                </a14:m>
-                <a:endParaRPr lang="en-US" sz="2400" dirty="0"/>
-              </a:p>
-              <a:p>
-                <a:pPr marL="0" indent="0">
-                  <a:buNone/>
-                  <a:defRPr/>
-                </a:pPr>
-                <a:endParaRPr lang="en-US" sz="2400" i="1" dirty="0"/>
-              </a:p>
-              <a:p>
-                <a:pPr marL="0" indent="0">
-                  <a:buNone/>
-                  <a:defRPr/>
-                </a:pPr>
-                <a:endParaRPr lang="en-US" sz="2400" i="1" dirty="0"/>
-              </a:p>
-            </p:txBody>
-          </p:sp>
-        </mc:Choice>
-        <mc:Fallback>
-          <p:sp>
-            <p:nvSpPr>
-              <p:cNvPr id="3" name="Content Placeholder 2">
-                <a:extLst>
-                  <a:ext uri="{FF2B5EF4-FFF2-40B4-BE49-F238E27FC236}">
-                    <a16:creationId xmlns:a16="http://schemas.microsoft.com/office/drawing/2014/main" id="{E257CB29-F547-0547-1532-BFBC459E5DF2}"/>
-                  </a:ext>
-                </a:extLst>
-              </p:cNvPr>
-              <p:cNvSpPr>
-                <a:spLocks noGrp="1" noRot="1" noChangeAspect="1" noMove="1" noResize="1" noEditPoints="1" noAdjustHandles="1" noChangeArrowheads="1" noChangeShapeType="1" noTextEdit="1"/>
-              </p:cNvSpPr>
-              <p:nvPr>
-                <p:ph idx="1"/>
-              </p:nvPr>
-            </p:nvSpPr>
-            <p:spPr>
-              <a:xfrm>
-                <a:off x="3557393" y="512064"/>
-                <a:ext cx="8381688" cy="6345935"/>
-              </a:xfrm>
-              <a:blipFill>
-                <a:blip r:embed="rId3"/>
-                <a:stretch>
-                  <a:fillRect l="-1210" t="-3000"/>
-                </a:stretch>
-              </a:blipFill>
-            </p:spPr>
-            <p:txBody>
-              <a:bodyPr/>
-              <a:lstStyle/>
-              <a:p>
-                <a:r>
-                  <a:rPr lang="en-US">
-                    <a:noFill/>
-                  </a:rPr>
-                  <a:t> </a:t>
-                </a:r>
-              </a:p>
-            </p:txBody>
-          </p:sp>
-        </mc:Fallback>
-      </mc:AlternateContent>
-      <p:sp>
-        <p:nvSpPr>
-          <p:cNvPr id="5" name="Rounded Rectangle 4">
-            <a:extLst>
-              <a:ext uri="{FF2B5EF4-FFF2-40B4-BE49-F238E27FC236}">
-                <a16:creationId xmlns:a16="http://schemas.microsoft.com/office/drawing/2014/main" id="{431045F1-C77E-3681-2B6B-243749453B06}"/>
-              </a:ext>
-            </a:extLst>
-          </p:cNvPr>
-          <p:cNvSpPr/>
-          <p:nvPr/>
-        </p:nvSpPr>
-        <p:spPr>
-          <a:xfrm>
-            <a:off x="5767683" y="3953040"/>
-            <a:ext cx="881311" cy="533400"/>
-          </a:xfrm>
-          <a:prstGeom prst="roundRect">
-            <a:avLst>
-              <a:gd name="adj" fmla="val 33377"/>
-            </a:avLst>
-          </a:prstGeom>
-          <a:noFill/>
-          <a:ln>
-            <a:solidFill>
-              <a:schemeClr val="accent2"/>
-            </a:solidFill>
-          </a:ln>
-          <a:effectLst>
-            <a:glow rad="228600">
-              <a:schemeClr val="accent2">
-                <a:satMod val="175000"/>
-                <a:alpha val="40000"/>
-              </a:schemeClr>
-            </a:glow>
-            <a:outerShdw blurRad="38100" dist="25400" dir="2700000" algn="br" rotWithShape="0">
-              <a:srgbClr val="000000">
-                <a:alpha val="60000"/>
-              </a:srgbClr>
-            </a:outerShdw>
-          </a:effectLst>
-        </p:spPr>
-        <p:style>
-          <a:lnRef idx="1">
-            <a:schemeClr val="accent1"/>
-          </a:lnRef>
-          <a:fillRef idx="3">
-            <a:schemeClr val="accent1"/>
-          </a:fillRef>
-          <a:effectRef idx="2">
-            <a:schemeClr val="accent1"/>
-          </a:effectRef>
-          <a:fontRef idx="minor">
-            <a:schemeClr val="lt1"/>
-          </a:fontRef>
-        </p:style>
-        <p:txBody>
-          <a:bodyPr rtlCol="0" anchor="ctr"/>
-          <a:lstStyle/>
-          <a:p>
-            <a:pPr algn="ctr"/>
-            <a:endParaRPr lang="en-US"/>
-          </a:p>
-        </p:txBody>
-      </p:sp>
-      <p:cxnSp>
-        <p:nvCxnSpPr>
-          <p:cNvPr id="6" name="Straight Arrow Connector 5">
-            <a:extLst>
-              <a:ext uri="{FF2B5EF4-FFF2-40B4-BE49-F238E27FC236}">
-                <a16:creationId xmlns:a16="http://schemas.microsoft.com/office/drawing/2014/main" id="{E02B7F7F-E4D6-51D9-EE55-6915315727F5}"/>
-              </a:ext>
-            </a:extLst>
-          </p:cNvPr>
-          <p:cNvCxnSpPr>
-            <a:cxnSpLocks/>
-          </p:cNvCxnSpPr>
-          <p:nvPr/>
-        </p:nvCxnSpPr>
-        <p:spPr>
-          <a:xfrm flipV="1">
-            <a:off x="5627910" y="4486440"/>
-            <a:ext cx="263439" cy="1114200"/>
-          </a:xfrm>
-          <a:prstGeom prst="straightConnector1">
-            <a:avLst/>
-          </a:prstGeom>
-          <a:ln w="76200" cmpd="sng">
-            <a:solidFill>
-              <a:srgbClr val="000000"/>
-            </a:solidFill>
-            <a:headEnd type="none"/>
-            <a:tailEnd type="triangle"/>
-          </a:ln>
-        </p:spPr>
-        <p:style>
-          <a:lnRef idx="2">
-            <a:schemeClr val="accent1"/>
-          </a:lnRef>
-          <a:fillRef idx="0">
-            <a:schemeClr val="accent1"/>
-          </a:fillRef>
-          <a:effectRef idx="1">
-            <a:schemeClr val="accent1"/>
-          </a:effectRef>
-          <a:fontRef idx="minor">
-            <a:schemeClr val="tx1"/>
-          </a:fontRef>
-        </p:style>
-      </p:cxnSp>
-      <p:sp>
-        <p:nvSpPr>
-          <p:cNvPr id="8" name="TextBox 7">
-            <a:extLst>
-              <a:ext uri="{FF2B5EF4-FFF2-40B4-BE49-F238E27FC236}">
-                <a16:creationId xmlns:a16="http://schemas.microsoft.com/office/drawing/2014/main" id="{1F603CF0-4791-FE25-C0E6-133C32E30971}"/>
-              </a:ext>
-            </a:extLst>
-          </p:cNvPr>
-          <p:cNvSpPr txBox="1"/>
-          <p:nvPr/>
-        </p:nvSpPr>
-        <p:spPr>
-          <a:xfrm>
-            <a:off x="4150524" y="5350549"/>
-            <a:ext cx="6052684" cy="510778"/>
-          </a:xfrm>
-          <a:prstGeom prst="roundRect">
-            <a:avLst/>
-          </a:prstGeom>
-          <a:ln/>
-        </p:spPr>
-        <p:style>
-          <a:lnRef idx="2">
-            <a:schemeClr val="accent3">
-              <a:shade val="15000"/>
-            </a:schemeClr>
-          </a:lnRef>
-          <a:fillRef idx="1">
-            <a:schemeClr val="accent3"/>
-          </a:fillRef>
-          <a:effectRef idx="0">
-            <a:schemeClr val="accent3"/>
-          </a:effectRef>
-          <a:fontRef idx="minor">
-            <a:schemeClr val="lt1"/>
-          </a:fontRef>
-        </p:style>
-        <p:txBody>
-          <a:bodyPr wrap="none" rtlCol="0">
-            <a:spAutoFit/>
-          </a:bodyPr>
-          <a:lstStyle/>
-          <a:p>
-            <a:pPr algn="ctr"/>
-            <a:r>
-              <a:rPr lang="en-US" sz="2400" dirty="0">
-                <a:cs typeface="Times"/>
-              </a:rPr>
-              <a:t>Multiplying two </a:t>
-            </a:r>
-            <a:r>
-              <a:rPr lang="en-US" sz="2400" i="1" dirty="0">
-                <a:latin typeface="Times"/>
-                <a:cs typeface="Times"/>
-              </a:rPr>
-              <a:t>x</a:t>
-            </a:r>
-            <a:r>
-              <a:rPr lang="en-US" sz="2400" dirty="0">
-                <a:cs typeface="Times"/>
-              </a:rPr>
-              <a:t> terms together </a:t>
-            </a:r>
-            <a:r>
-              <a:rPr lang="en-US" sz="2400" dirty="0">
-                <a:cs typeface="Times"/>
-                <a:sym typeface="Wingdings" pitchFamily="2" charset="2"/>
-              </a:rPr>
-              <a:t> </a:t>
-            </a:r>
-            <a:r>
-              <a:rPr lang="en-US" sz="2400" dirty="0">
-                <a:cs typeface="Times"/>
-              </a:rPr>
-              <a:t>quadratic</a:t>
-            </a:r>
-          </a:p>
-        </p:txBody>
-      </p:sp>
-    </p:spTree>
-    <p:extLst>
-      <p:ext uri="{BB962C8B-B14F-4D97-AF65-F5344CB8AC3E}">
-        <p14:creationId xmlns:p14="http://schemas.microsoft.com/office/powerpoint/2010/main" val="812084330"/>
       </p:ext>
     </p:extLst>
   </p:cSld>
